--- a/docs/devops_pres.pptx
+++ b/docs/devops_pres.pptx
@@ -238,7 +238,7 @@
             <a:pPr rtl="0"/>
             <a:fld id="{3C5EE2DF-346F-4A7B-A71E-BDFF5A5A8C1A}" type="datetime1">
               <a:rPr lang="hu-HU" smtClean="0"/>
-              <a:t>2018. 12. 01.</a:t>
+              <a:t>2018. 12. 02.</a:t>
             </a:fld>
             <a:endParaRPr lang="hu-HU" dirty="0"/>
           </a:p>
@@ -408,7 +408,7 @@
             <a:pPr rtl="0"/>
             <a:fld id="{3A0DE145-76E7-42E2-B70D-EE09587CAC08}" type="datetime1">
               <a:rPr lang="hu-HU" smtClean="0"/>
-              <a:t>2018. 12. 01.</a:t>
+              <a:t>2018. 12. 02.</a:t>
             </a:fld>
             <a:endParaRPr lang="hu-HU" dirty="0"/>
           </a:p>
@@ -1124,469 +1124,25 @@
           <a:bodyPr/>
           <a:lstStyle/>
           <a:p>
-            <a:r>
-              <a:rPr lang="en-US" b="1" dirty="0"/>
-              <a:t>Master</a:t>
-            </a:r>
-          </a:p>
-          <a:p>
             <a:pPr marL="171450" indent="-171450">
               <a:buFont typeface="Arial" panose="020B0604020202020204" pitchFamily="34" charset="0"/>
               <a:buChar char="•"/>
             </a:pPr>
             <a:r>
               <a:rPr lang="en-US" dirty="0"/>
-              <a:t>cluster </a:t>
+              <a:t>VM boot </a:t>
             </a:r>
             <a:r>
               <a:rPr lang="en-US" dirty="0" err="1"/>
-              <a:t>menedzselése</a:t>
+              <a:t>idő</a:t>
             </a:r>
             <a:endParaRPr lang="en-US" dirty="0"/>
-          </a:p>
-          <a:p>
-            <a:r>
-              <a:rPr lang="en-US" dirty="0"/>
-              <a:t>(</a:t>
-            </a:r>
-            <a:r>
-              <a:rPr lang="en-US" b="1" dirty="0"/>
-              <a:t>Deployment </a:t>
-            </a:r>
           </a:p>
           <a:p>
             <a:pPr marL="171450" indent="-171450">
               <a:buFont typeface="Arial" panose="020B0604020202020204" pitchFamily="34" charset="0"/>
               <a:buChar char="•"/>
             </a:pPr>
-            <a:r>
-              <a:rPr lang="en-US" dirty="0" err="1"/>
-              <a:t>alkalmazás</a:t>
-            </a:r>
-            <a:r>
-              <a:rPr lang="en-US" dirty="0"/>
-              <a:t> </a:t>
-            </a:r>
-            <a:r>
-              <a:rPr lang="en-US" dirty="0" err="1"/>
-              <a:t>példányok</a:t>
-            </a:r>
-            <a:r>
-              <a:rPr lang="en-US" dirty="0"/>
-              <a:t> </a:t>
-            </a:r>
-            <a:r>
-              <a:rPr lang="en-US" dirty="0" err="1"/>
-              <a:t>létrehozása</a:t>
-            </a:r>
-            <a:r>
-              <a:rPr lang="en-US" dirty="0"/>
-              <a:t> </a:t>
-            </a:r>
-            <a:r>
-              <a:rPr lang="en-US" dirty="0" err="1"/>
-              <a:t>és</a:t>
-            </a:r>
-            <a:r>
-              <a:rPr lang="en-US" dirty="0"/>
-              <a:t> </a:t>
-            </a:r>
-            <a:r>
-              <a:rPr lang="en-US" dirty="0" err="1"/>
-              <a:t>frissítése</a:t>
-            </a:r>
-            <a:endParaRPr lang="en-US" dirty="0"/>
-          </a:p>
-          <a:p>
-            <a:pPr marL="171450" indent="-171450">
-              <a:buFont typeface="Arial" panose="020B0604020202020204" pitchFamily="34" charset="0"/>
-              <a:buChar char="•"/>
-            </a:pPr>
-            <a:r>
-              <a:rPr lang="en-US" dirty="0"/>
-              <a:t>ha a node </a:t>
-            </a:r>
-            <a:r>
-              <a:rPr lang="en-US" dirty="0" err="1"/>
-              <a:t>leáll</a:t>
-            </a:r>
-            <a:r>
-              <a:rPr lang="en-US" dirty="0"/>
-              <a:t>, </a:t>
-            </a:r>
-            <a:r>
-              <a:rPr lang="en-US" dirty="0" err="1"/>
-              <a:t>új</a:t>
-            </a:r>
-            <a:r>
-              <a:rPr lang="en-US" dirty="0"/>
-              <a:t> </a:t>
-            </a:r>
-            <a:r>
-              <a:rPr lang="en-US" dirty="0" err="1"/>
-              <a:t>példányt</a:t>
-            </a:r>
-            <a:r>
-              <a:rPr lang="en-US" dirty="0"/>
-              <a:t> </a:t>
-            </a:r>
-            <a:r>
-              <a:rPr lang="en-US" dirty="0" err="1"/>
-              <a:t>indít</a:t>
-            </a:r>
-            <a:r>
-              <a:rPr lang="en-US" dirty="0"/>
-              <a:t>)</a:t>
-            </a:r>
-          </a:p>
-          <a:p>
-            <a:r>
-              <a:rPr lang="en-US" b="1" dirty="0"/>
-              <a:t>Pod </a:t>
-            </a:r>
-          </a:p>
-          <a:p>
-            <a:pPr marL="171450" indent="-171450">
-              <a:buFont typeface="Arial" panose="020B0604020202020204" pitchFamily="34" charset="0"/>
-              <a:buChar char="•"/>
-            </a:pPr>
-            <a:r>
-              <a:rPr lang="en-US" dirty="0" err="1"/>
-              <a:t>Alkalmazás</a:t>
-            </a:r>
-            <a:r>
-              <a:rPr lang="en-US" dirty="0"/>
-              <a:t> </a:t>
-            </a:r>
-            <a:r>
-              <a:rPr lang="en-US" dirty="0" err="1"/>
-              <a:t>konténer</a:t>
-            </a:r>
-            <a:r>
-              <a:rPr lang="en-US" dirty="0"/>
-              <a:t> </a:t>
-            </a:r>
-            <a:r>
-              <a:rPr lang="en-US" dirty="0" err="1"/>
-              <a:t>csoport</a:t>
-            </a:r>
-            <a:r>
-              <a:rPr lang="en-US" dirty="0"/>
-              <a:t> ( </a:t>
-            </a:r>
-            <a:r>
-              <a:rPr lang="en-US" dirty="0" err="1"/>
-              <a:t>szorosan</a:t>
-            </a:r>
-            <a:r>
-              <a:rPr lang="en-US" dirty="0"/>
-              <a:t> </a:t>
-            </a:r>
-            <a:r>
-              <a:rPr lang="en-US" dirty="0" err="1"/>
-              <a:t>összekapcsolodóak</a:t>
-            </a:r>
-            <a:r>
-              <a:rPr lang="en-US" dirty="0"/>
-              <a:t> pl. webserver + </a:t>
-            </a:r>
-            <a:r>
-              <a:rPr lang="en-US" dirty="0" err="1"/>
-              <a:t>üzleti</a:t>
-            </a:r>
-            <a:r>
-              <a:rPr lang="en-US" dirty="0"/>
-              <a:t> </a:t>
-            </a:r>
-            <a:r>
-              <a:rPr lang="en-US" dirty="0" err="1"/>
-              <a:t>logika</a:t>
-            </a:r>
-            <a:r>
-              <a:rPr lang="en-US" dirty="0"/>
-              <a:t> (</a:t>
-            </a:r>
-            <a:r>
-              <a:rPr lang="en-US" dirty="0" err="1"/>
-              <a:t>adatforrás</a:t>
-            </a:r>
-            <a:r>
-              <a:rPr lang="en-US" dirty="0"/>
-              <a:t>))</a:t>
-            </a:r>
-          </a:p>
-          <a:p>
-            <a:pPr marL="628650" lvl="1" indent="-171450">
-              <a:buFont typeface="Arial" panose="020B0604020202020204" pitchFamily="34" charset="0"/>
-              <a:buChar char="•"/>
-            </a:pPr>
-            <a:r>
-              <a:rPr lang="en-US" dirty="0" err="1"/>
-              <a:t>Mindig</a:t>
-            </a:r>
-            <a:r>
-              <a:rPr lang="en-US" dirty="0"/>
-              <a:t> </a:t>
-            </a:r>
-            <a:r>
-              <a:rPr lang="en-US" dirty="0" err="1"/>
-              <a:t>egy</a:t>
-            </a:r>
-            <a:r>
-              <a:rPr lang="en-US" dirty="0"/>
-              <a:t> </a:t>
-            </a:r>
-            <a:r>
-              <a:rPr lang="en-US" dirty="0" err="1"/>
-              <a:t>helyen</a:t>
-            </a:r>
-            <a:r>
-              <a:rPr lang="en-US" dirty="0"/>
-              <a:t>, </a:t>
-            </a:r>
-            <a:r>
-              <a:rPr lang="en-US" dirty="0" err="1"/>
-              <a:t>együtt</a:t>
-            </a:r>
-            <a:r>
-              <a:rPr lang="en-US" dirty="0"/>
-              <a:t> </a:t>
-            </a:r>
-            <a:r>
-              <a:rPr lang="en-US" dirty="0" err="1"/>
-              <a:t>ütemezve</a:t>
-            </a:r>
-            <a:endParaRPr lang="en-US" dirty="0"/>
-          </a:p>
-          <a:p>
-            <a:pPr marL="628650" lvl="1" indent="-171450">
-              <a:buFont typeface="Arial" panose="020B0604020202020204" pitchFamily="34" charset="0"/>
-              <a:buChar char="•"/>
-            </a:pPr>
-            <a:r>
-              <a:rPr lang="en-US" dirty="0" err="1"/>
-              <a:t>Közös</a:t>
-            </a:r>
-            <a:r>
-              <a:rPr lang="en-US" dirty="0"/>
-              <a:t> IP, </a:t>
-            </a:r>
-            <a:r>
-              <a:rPr lang="en-US" dirty="0" err="1"/>
-              <a:t>háttértár</a:t>
-            </a:r>
-            <a:endParaRPr lang="en-US" dirty="0"/>
-          </a:p>
-          <a:p>
-            <a:pPr marL="0" lvl="0" indent="0">
-              <a:buFontTx/>
-              <a:buNone/>
-            </a:pPr>
-            <a:r>
-              <a:rPr lang="en-US" b="1" dirty="0"/>
-              <a:t>Node</a:t>
-            </a:r>
-          </a:p>
-          <a:p>
-            <a:pPr marL="171450" lvl="0" indent="-171450">
-              <a:buFont typeface="Arial" panose="020B0604020202020204" pitchFamily="34" charset="0"/>
-              <a:buChar char="•"/>
-            </a:pPr>
-            <a:r>
-              <a:rPr lang="en-US" b="0" dirty="0"/>
-              <a:t>Master </a:t>
-            </a:r>
-            <a:r>
-              <a:rPr lang="en-US" b="0" dirty="0" err="1"/>
-              <a:t>irányítja</a:t>
-            </a:r>
-            <a:endParaRPr lang="en-US" b="0" dirty="0"/>
-          </a:p>
-          <a:p>
-            <a:pPr marL="171450" lvl="0" indent="-171450">
-              <a:buFont typeface="Arial" panose="020B0604020202020204" pitchFamily="34" charset="0"/>
-              <a:buChar char="•"/>
-            </a:pPr>
-            <a:r>
-              <a:rPr lang="en-US" b="0" dirty="0"/>
-              <a:t>VM </a:t>
-            </a:r>
-            <a:r>
-              <a:rPr lang="en-US" b="0" dirty="0" err="1"/>
-              <a:t>vagy</a:t>
-            </a:r>
-            <a:r>
-              <a:rPr lang="en-US" b="0" dirty="0"/>
-              <a:t> </a:t>
-            </a:r>
-            <a:r>
-              <a:rPr lang="en-US" b="0" dirty="0" err="1"/>
-              <a:t>fizika</a:t>
-            </a:r>
-            <a:r>
-              <a:rPr lang="en-US" b="0" dirty="0"/>
-              <a:t> </a:t>
-            </a:r>
-            <a:r>
-              <a:rPr lang="en-US" b="0" dirty="0" err="1"/>
-              <a:t>gép</a:t>
-            </a:r>
-            <a:endParaRPr lang="en-US" b="0" dirty="0"/>
-          </a:p>
-          <a:p>
-            <a:pPr marL="171450" lvl="0" indent="-171450">
-              <a:buFont typeface="Arial" panose="020B0604020202020204" pitchFamily="34" charset="0"/>
-              <a:buChar char="•"/>
-            </a:pPr>
-            <a:r>
-              <a:rPr lang="en-US" b="0" dirty="0"/>
-              <a:t>1 </a:t>
-            </a:r>
-            <a:r>
-              <a:rPr lang="en-US" b="0" dirty="0" err="1"/>
-              <a:t>vagy</a:t>
-            </a:r>
-            <a:r>
-              <a:rPr lang="en-US" b="0" dirty="0"/>
-              <a:t> </a:t>
-            </a:r>
-            <a:r>
-              <a:rPr lang="en-US" b="0" dirty="0" err="1"/>
-              <a:t>több</a:t>
-            </a:r>
-            <a:r>
-              <a:rPr lang="en-US" b="0" dirty="0"/>
-              <a:t> pod (</a:t>
-            </a:r>
-            <a:r>
-              <a:rPr lang="en-US" b="0" dirty="0" err="1"/>
-              <a:t>automatikusan</a:t>
-            </a:r>
-            <a:r>
-              <a:rPr lang="en-US" b="0" dirty="0"/>
-              <a:t> </a:t>
-            </a:r>
-            <a:r>
-              <a:rPr lang="en-US" b="0" dirty="0" err="1"/>
-              <a:t>elosztva</a:t>
-            </a:r>
-            <a:r>
-              <a:rPr lang="en-US" b="0" dirty="0"/>
-              <a:t>, </a:t>
-            </a:r>
-            <a:r>
-              <a:rPr lang="en-US" b="0" dirty="0" err="1"/>
-              <a:t>ütemezve</a:t>
-            </a:r>
-            <a:r>
-              <a:rPr lang="en-US" b="0" dirty="0"/>
-              <a:t>)</a:t>
-            </a:r>
-          </a:p>
-          <a:p>
-            <a:pPr marL="171450" lvl="0" indent="-171450">
-              <a:buFont typeface="Arial" panose="020B0604020202020204" pitchFamily="34" charset="0"/>
-              <a:buChar char="•"/>
-            </a:pPr>
-            <a:r>
-              <a:rPr lang="en-US" b="1" dirty="0" err="1"/>
-              <a:t>Kubelet</a:t>
-            </a:r>
-            <a:endParaRPr lang="en-US" b="1" dirty="0"/>
-          </a:p>
-          <a:p>
-            <a:pPr marL="628650" lvl="1" indent="-171450">
-              <a:buFont typeface="Arial" panose="020B0604020202020204" pitchFamily="34" charset="0"/>
-              <a:buChar char="•"/>
-            </a:pPr>
-            <a:r>
-              <a:rPr lang="en-US" b="0" dirty="0"/>
-              <a:t>Master – Node </a:t>
-            </a:r>
-            <a:r>
-              <a:rPr lang="en-US" b="0" dirty="0" err="1"/>
-              <a:t>kommunikáció</a:t>
-            </a:r>
-            <a:endParaRPr lang="en-US" b="0" dirty="0"/>
-          </a:p>
-          <a:p>
-            <a:pPr marL="628650" lvl="1" indent="-171450">
-              <a:buFont typeface="Arial" panose="020B0604020202020204" pitchFamily="34" charset="0"/>
-              <a:buChar char="•"/>
-            </a:pPr>
-            <a:r>
-              <a:rPr lang="en-US" b="0" dirty="0" err="1"/>
-              <a:t>Biztosítja</a:t>
-            </a:r>
-            <a:r>
-              <a:rPr lang="en-US" b="0" dirty="0"/>
-              <a:t>, </a:t>
-            </a:r>
-            <a:r>
-              <a:rPr lang="en-US" b="0" dirty="0" err="1"/>
-              <a:t>hogy</a:t>
-            </a:r>
-            <a:r>
-              <a:rPr lang="en-US" b="0" dirty="0"/>
-              <a:t> a </a:t>
-            </a:r>
-            <a:r>
-              <a:rPr lang="en-US" b="0" dirty="0" err="1"/>
-              <a:t>konténerek</a:t>
-            </a:r>
-            <a:r>
-              <a:rPr lang="en-US" b="0" dirty="0"/>
-              <a:t> pod-ban </a:t>
-            </a:r>
-            <a:r>
-              <a:rPr lang="en-US" b="0" dirty="0" err="1"/>
-              <a:t>futnak</a:t>
-            </a:r>
-            <a:endParaRPr lang="en-US" b="0" dirty="0"/>
-          </a:p>
-          <a:p>
-            <a:pPr marL="171450" lvl="0" indent="-171450">
-              <a:buFont typeface="Arial" panose="020B0604020202020204" pitchFamily="34" charset="0"/>
-              <a:buChar char="•"/>
-            </a:pPr>
-            <a:r>
-              <a:rPr lang="en-US" b="1" dirty="0"/>
-              <a:t>Docker </a:t>
-            </a:r>
-            <a:r>
-              <a:rPr lang="en-US" b="0" dirty="0"/>
-              <a:t>(image pl. </a:t>
-            </a:r>
-            <a:r>
-              <a:rPr lang="en-US" b="0" dirty="0" err="1"/>
-              <a:t>DockerHub-ról</a:t>
-            </a:r>
-            <a:r>
-              <a:rPr lang="en-US" b="0" dirty="0"/>
-              <a:t>, </a:t>
-            </a:r>
-            <a:r>
-              <a:rPr lang="en-US" b="0" dirty="0" err="1"/>
-              <a:t>konténer</a:t>
-            </a:r>
-            <a:r>
-              <a:rPr lang="en-US" b="0" dirty="0"/>
-              <a:t> </a:t>
-            </a:r>
-            <a:r>
-              <a:rPr lang="en-US" b="0" dirty="0" err="1"/>
-              <a:t>futtatása</a:t>
-            </a:r>
-            <a:endParaRPr lang="en-US" b="1" dirty="0"/>
-          </a:p>
-          <a:p>
-            <a:pPr marL="171450" indent="-171450">
-              <a:buFontTx/>
-              <a:buChar char="-"/>
-            </a:pPr>
-            <a:endParaRPr lang="en-US" dirty="0"/>
-          </a:p>
-          <a:p>
             <a:endParaRPr lang="hu-HU" dirty="0"/>
           </a:p>
         </p:txBody>
@@ -1609,7 +1165,7 @@
             <a:pPr rtl="0"/>
             <a:fld id="{82869989-EB00-4EE7-BCB5-25BDC5BB29F8}" type="slidenum">
               <a:rPr lang="hu-HU" smtClean="0"/>
-              <a:t>7</a:t>
+              <a:t>4</a:t>
             </a:fld>
             <a:endParaRPr lang="hu-HU" dirty="0"/>
           </a:p>
@@ -1618,7 +1174,7 @@
     </p:spTree>
     <p:extLst>
       <p:ext uri="{BB962C8B-B14F-4D97-AF65-F5344CB8AC3E}">
-        <p14:creationId xmlns:p14="http://schemas.microsoft.com/office/powerpoint/2010/main" val="3119113159"/>
+        <p14:creationId xmlns:p14="http://schemas.microsoft.com/office/powerpoint/2010/main" val="2351294756"/>
       </p:ext>
     </p:extLst>
   </p:cSld>
@@ -1673,10 +1229,9 @@
           <a:lstStyle/>
           <a:p>
             <a:r>
-              <a:rPr lang="en-US" b="1" dirty="0" err="1"/>
-              <a:t>kube-apiserver</a:t>
-            </a:r>
-            <a:endParaRPr lang="en-US" dirty="0"/>
+              <a:rPr lang="en-US" b="1" dirty="0"/>
+              <a:t>Master</a:t>
+            </a:r>
           </a:p>
           <a:p>
             <a:pPr marL="171450" indent="-171450">
@@ -1685,44 +1240,23 @@
             </a:pPr>
             <a:r>
               <a:rPr lang="en-US" dirty="0"/>
-              <a:t>API a </a:t>
+              <a:t>cluster </a:t>
             </a:r>
             <a:r>
               <a:rPr lang="en-US" dirty="0" err="1"/>
-              <a:t>melyen</a:t>
-            </a:r>
+              <a:t>menedzselése</a:t>
+            </a:r>
+            <a:endParaRPr lang="en-US" dirty="0"/>
+          </a:p>
+          <a:p>
             <a:r>
               <a:rPr lang="en-US" dirty="0"/>
-              <a:t> </a:t>
-            </a:r>
-            <a:r>
-              <a:rPr lang="en-US" dirty="0" err="1"/>
-              <a:t>keresztul</a:t>
-            </a:r>
-            <a:r>
-              <a:rPr lang="en-US" dirty="0"/>
-              <a:t> a </a:t>
-            </a:r>
-            <a:r>
-              <a:rPr lang="en-US" dirty="0" err="1"/>
-              <a:t>komponensek</a:t>
-            </a:r>
-            <a:r>
-              <a:rPr lang="en-US" dirty="0"/>
-              <a:t> </a:t>
-            </a:r>
-            <a:r>
-              <a:rPr lang="en-US" dirty="0" err="1"/>
-              <a:t>kommunikálnak</a:t>
-            </a:r>
-            <a:endParaRPr lang="en-US" dirty="0"/>
-          </a:p>
-          <a:p>
-            <a:r>
-              <a:rPr lang="en-US" b="1" dirty="0" err="1"/>
-              <a:t>etcd</a:t>
-            </a:r>
-            <a:endParaRPr lang="en-US" b="1" dirty="0"/>
+              <a:t>(</a:t>
+            </a:r>
+            <a:r>
+              <a:rPr lang="en-US" b="1" dirty="0"/>
+              <a:t>Deployment </a:t>
+            </a:r>
           </a:p>
           <a:p>
             <a:pPr marL="171450" indent="-171450">
@@ -1731,7 +1265,7 @@
             </a:pPr>
             <a:r>
               <a:rPr lang="en-US" dirty="0" err="1"/>
-              <a:t>kulcs-érték</a:t>
+              <a:t>alkalmazás</a:t>
             </a:r>
             <a:r>
               <a:rPr lang="en-US" dirty="0"/>
@@ -1739,39 +1273,33 @@
             </a:r>
             <a:r>
               <a:rPr lang="en-US" dirty="0" err="1"/>
-              <a:t>tároló</a:t>
+              <a:t>példányok</a:t>
             </a:r>
             <a:r>
               <a:rPr lang="en-US" dirty="0"/>
-              <a:t>, </a:t>
+              <a:t> </a:t>
             </a:r>
             <a:r>
               <a:rPr lang="en-US" dirty="0" err="1"/>
-              <a:t>nyilvántartja</a:t>
+              <a:t>létrehozása</a:t>
             </a:r>
             <a:r>
               <a:rPr lang="en-US" dirty="0"/>
-              <a:t> a K8s cluster </a:t>
+              <a:t> </a:t>
             </a:r>
             <a:r>
               <a:rPr lang="en-US" dirty="0" err="1"/>
-              <a:t>allapotat</a:t>
+              <a:t>és</a:t>
             </a:r>
             <a:r>
               <a:rPr lang="en-US" dirty="0"/>
-              <a:t> (BACKUP)</a:t>
-            </a:r>
-          </a:p>
-          <a:p>
-            <a:r>
-              <a:rPr lang="en-US" b="1" dirty="0" err="1"/>
-              <a:t>kube</a:t>
-            </a:r>
-            <a:r>
-              <a:rPr lang="en-US" b="1" dirty="0"/>
-              <a:t>-scheduler</a:t>
-            </a:r>
-            <a:endParaRPr lang="en-US" b="0" dirty="0"/>
+              <a:t> </a:t>
+            </a:r>
+            <a:r>
+              <a:rPr lang="en-US" dirty="0" err="1"/>
+              <a:t>frissítése</a:t>
+            </a:r>
+            <a:endParaRPr lang="en-US" dirty="0"/>
           </a:p>
           <a:p>
             <a:pPr marL="171450" indent="-171450">
@@ -1779,34 +1307,47 @@
               <a:buChar char="•"/>
             </a:pPr>
             <a:r>
-              <a:rPr lang="en-US" b="0" dirty="0" err="1"/>
-              <a:t>Új</a:t>
-            </a:r>
-            <a:r>
-              <a:rPr lang="en-US" b="0" dirty="0"/>
+              <a:rPr lang="en-US" dirty="0"/>
+              <a:t>ha a node </a:t>
+            </a:r>
+            <a:r>
+              <a:rPr lang="en-US" dirty="0" err="1"/>
+              <a:t>leáll</a:t>
+            </a:r>
+            <a:r>
+              <a:rPr lang="en-US" dirty="0"/>
+              <a:t>, </a:t>
+            </a:r>
+            <a:r>
+              <a:rPr lang="en-US" dirty="0" err="1"/>
+              <a:t>új</a:t>
+            </a:r>
+            <a:r>
+              <a:rPr lang="en-US" dirty="0"/>
               <a:t> </a:t>
             </a:r>
             <a:r>
-              <a:rPr lang="en-US" b="0" dirty="0" err="1"/>
-              <a:t>podok</a:t>
-            </a:r>
-            <a:r>
-              <a:rPr lang="en-US" b="0" dirty="0"/>
-              <a:t> node-</a:t>
-            </a:r>
-            <a:r>
-              <a:rPr lang="en-US" b="0" dirty="0" err="1"/>
-              <a:t>hoz</a:t>
-            </a:r>
-            <a:r>
-              <a:rPr lang="en-US" b="0" dirty="0"/>
+              <a:rPr lang="en-US" dirty="0" err="1"/>
+              <a:t>példányt</a:t>
+            </a:r>
+            <a:r>
+              <a:rPr lang="en-US" dirty="0"/>
               <a:t> </a:t>
             </a:r>
             <a:r>
-              <a:rPr lang="en-US" b="0" dirty="0" err="1"/>
-              <a:t>rendelése</a:t>
-            </a:r>
-            <a:endParaRPr lang="en-US" b="0" dirty="0"/>
+              <a:rPr lang="en-US" dirty="0" err="1"/>
+              <a:t>indít</a:t>
+            </a:r>
+            <a:r>
+              <a:rPr lang="en-US" dirty="0"/>
+              <a:t>)</a:t>
+            </a:r>
+          </a:p>
+          <a:p>
+            <a:r>
+              <a:rPr lang="en-US" b="1" dirty="0"/>
+              <a:t>Pod </a:t>
+            </a:r>
           </a:p>
           <a:p>
             <a:pPr marL="171450" indent="-171450">
@@ -1814,10 +1355,69 @@
               <a:buChar char="•"/>
             </a:pPr>
             <a:r>
-              <a:rPr lang="en-US" b="0" dirty="0" err="1"/>
-              <a:t>Szempontok</a:t>
-            </a:r>
-            <a:endParaRPr lang="en-US" b="0" dirty="0"/>
+              <a:rPr lang="en-US" dirty="0" err="1"/>
+              <a:t>Alkalmazás</a:t>
+            </a:r>
+            <a:r>
+              <a:rPr lang="en-US" dirty="0"/>
+              <a:t> </a:t>
+            </a:r>
+            <a:r>
+              <a:rPr lang="en-US" dirty="0" err="1"/>
+              <a:t>konténer</a:t>
+            </a:r>
+            <a:r>
+              <a:rPr lang="en-US" dirty="0"/>
+              <a:t> </a:t>
+            </a:r>
+            <a:r>
+              <a:rPr lang="en-US" dirty="0" err="1"/>
+              <a:t>csoport</a:t>
+            </a:r>
+            <a:r>
+              <a:rPr lang="en-US" dirty="0"/>
+              <a:t> ( </a:t>
+            </a:r>
+            <a:r>
+              <a:rPr lang="en-US" dirty="0" err="1"/>
+              <a:t>szorosan</a:t>
+            </a:r>
+            <a:r>
+              <a:rPr lang="en-US" dirty="0"/>
+              <a:t> </a:t>
+            </a:r>
+            <a:r>
+              <a:rPr lang="en-US" dirty="0" err="1"/>
+              <a:t>összekapcsolodóak</a:t>
+            </a:r>
+            <a:r>
+              <a:rPr lang="en-US" dirty="0"/>
+              <a:t> pl. webserver + </a:t>
+            </a:r>
+            <a:r>
+              <a:rPr lang="en-US" dirty="0" err="1"/>
+              <a:t>üzleti</a:t>
+            </a:r>
+            <a:r>
+              <a:rPr lang="en-US" dirty="0"/>
+              <a:t> </a:t>
+            </a:r>
+            <a:r>
+              <a:rPr lang="en-US" dirty="0" err="1"/>
+              <a:t>logika</a:t>
+            </a:r>
+            <a:r>
+              <a:rPr lang="en-US" dirty="0"/>
+              <a:t> (</a:t>
+            </a:r>
+            <a:r>
+              <a:rPr lang="en-US" dirty="0" err="1"/>
+              <a:t>adatforrás</a:t>
+            </a:r>
+            <a:r>
+              <a:rPr lang="en-US" dirty="0"/>
+              <a:t>))</a:t>
+            </a:r>
           </a:p>
           <a:p>
             <a:pPr marL="628650" lvl="1" indent="-171450">
@@ -1825,18 +1425,42 @@
               <a:buChar char="•"/>
             </a:pPr>
             <a:r>
-              <a:rPr lang="en-US" b="0" dirty="0" err="1"/>
-              <a:t>Erőforrás</a:t>
-            </a:r>
-            <a:r>
-              <a:rPr lang="en-US" b="0" dirty="0"/>
+              <a:rPr lang="en-US" dirty="0" err="1"/>
+              <a:t>Mindig</a:t>
+            </a:r>
+            <a:r>
+              <a:rPr lang="en-US" dirty="0"/>
               <a:t> </a:t>
             </a:r>
             <a:r>
-              <a:rPr lang="en-US" b="0" dirty="0" err="1"/>
-              <a:t>követelmények</a:t>
-            </a:r>
-            <a:endParaRPr lang="en-US" b="0" dirty="0"/>
+              <a:rPr lang="en-US" dirty="0" err="1"/>
+              <a:t>egy</a:t>
+            </a:r>
+            <a:r>
+              <a:rPr lang="en-US" dirty="0"/>
+              <a:t> </a:t>
+            </a:r>
+            <a:r>
+              <a:rPr lang="en-US" dirty="0" err="1"/>
+              <a:t>helyen</a:t>
+            </a:r>
+            <a:r>
+              <a:rPr lang="en-US" dirty="0"/>
+              <a:t>, </a:t>
+            </a:r>
+            <a:r>
+              <a:rPr lang="en-US" dirty="0" err="1"/>
+              <a:t>együtt</a:t>
+            </a:r>
+            <a:r>
+              <a:rPr lang="en-US" dirty="0"/>
+              <a:t> </a:t>
+            </a:r>
+            <a:r>
+              <a:rPr lang="en-US" dirty="0" err="1"/>
+              <a:t>ütemezve</a:t>
+            </a:r>
+            <a:endParaRPr lang="en-US" dirty="0"/>
           </a:p>
           <a:p>
             <a:pPr marL="628650" lvl="1" indent="-171450">
@@ -1844,14 +1468,135 @@
               <a:buChar char="•"/>
             </a:pPr>
             <a:r>
+              <a:rPr lang="en-US" dirty="0" err="1"/>
+              <a:t>Közös</a:t>
+            </a:r>
+            <a:r>
+              <a:rPr lang="en-US" dirty="0"/>
+              <a:t> IP, </a:t>
+            </a:r>
+            <a:r>
+              <a:rPr lang="en-US" dirty="0" err="1"/>
+              <a:t>háttértár</a:t>
+            </a:r>
+            <a:endParaRPr lang="en-US" dirty="0"/>
+          </a:p>
+          <a:p>
+            <a:pPr marL="0" lvl="0" indent="0">
+              <a:buFontTx/>
+              <a:buNone/>
+            </a:pPr>
+            <a:r>
+              <a:rPr lang="en-US" b="1" dirty="0"/>
+              <a:t>Node</a:t>
+            </a:r>
+          </a:p>
+          <a:p>
+            <a:pPr marL="171450" lvl="0" indent="-171450">
+              <a:buFont typeface="Arial" panose="020B0604020202020204" pitchFamily="34" charset="0"/>
+              <a:buChar char="•"/>
+            </a:pPr>
+            <a:r>
               <a:rPr lang="en-US" b="0" dirty="0"/>
-              <a:t>HW/SW </a:t>
+              <a:t>Master </a:t>
             </a:r>
             <a:r>
               <a:rPr lang="en-US" b="0" dirty="0" err="1"/>
-              <a:t>kényszerek</a:t>
+              <a:t>irányítja</a:t>
             </a:r>
             <a:endParaRPr lang="en-US" b="0" dirty="0"/>
+          </a:p>
+          <a:p>
+            <a:pPr marL="171450" lvl="0" indent="-171450">
+              <a:buFont typeface="Arial" panose="020B0604020202020204" pitchFamily="34" charset="0"/>
+              <a:buChar char="•"/>
+            </a:pPr>
+            <a:r>
+              <a:rPr lang="en-US" b="0" dirty="0"/>
+              <a:t>VM </a:t>
+            </a:r>
+            <a:r>
+              <a:rPr lang="en-US" b="0" dirty="0" err="1"/>
+              <a:t>vagy</a:t>
+            </a:r>
+            <a:r>
+              <a:rPr lang="en-US" b="0" dirty="0"/>
+              <a:t> </a:t>
+            </a:r>
+            <a:r>
+              <a:rPr lang="en-US" b="0" dirty="0" err="1"/>
+              <a:t>fizika</a:t>
+            </a:r>
+            <a:r>
+              <a:rPr lang="en-US" b="0" dirty="0"/>
+              <a:t> </a:t>
+            </a:r>
+            <a:r>
+              <a:rPr lang="en-US" b="0" dirty="0" err="1"/>
+              <a:t>gép</a:t>
+            </a:r>
+            <a:endParaRPr lang="en-US" b="0" dirty="0"/>
+          </a:p>
+          <a:p>
+            <a:pPr marL="171450" lvl="0" indent="-171450">
+              <a:buFont typeface="Arial" panose="020B0604020202020204" pitchFamily="34" charset="0"/>
+              <a:buChar char="•"/>
+            </a:pPr>
+            <a:r>
+              <a:rPr lang="en-US" b="0" dirty="0"/>
+              <a:t>1 </a:t>
+            </a:r>
+            <a:r>
+              <a:rPr lang="en-US" b="0" dirty="0" err="1"/>
+              <a:t>vagy</a:t>
+            </a:r>
+            <a:r>
+              <a:rPr lang="en-US" b="0" dirty="0"/>
+              <a:t> </a:t>
+            </a:r>
+            <a:r>
+              <a:rPr lang="en-US" b="0" dirty="0" err="1"/>
+              <a:t>több</a:t>
+            </a:r>
+            <a:r>
+              <a:rPr lang="en-US" b="0" dirty="0"/>
+              <a:t> pod (</a:t>
+            </a:r>
+            <a:r>
+              <a:rPr lang="en-US" b="0" dirty="0" err="1"/>
+              <a:t>automatikusan</a:t>
+            </a:r>
+            <a:r>
+              <a:rPr lang="en-US" b="0" dirty="0"/>
+              <a:t> </a:t>
+            </a:r>
+            <a:r>
+              <a:rPr lang="en-US" b="0" dirty="0" err="1"/>
+              <a:t>elosztva</a:t>
+            </a:r>
+            <a:r>
+              <a:rPr lang="en-US" b="0" dirty="0"/>
+              <a:t>, </a:t>
+            </a:r>
+            <a:r>
+              <a:rPr lang="en-US" b="0" dirty="0" err="1"/>
+              <a:t>ütemezve</a:t>
+            </a:r>
+            <a:r>
+              <a:rPr lang="en-US" b="0" dirty="0"/>
+              <a:t>)</a:t>
+            </a:r>
+          </a:p>
+          <a:p>
+            <a:pPr marL="171450" lvl="0" indent="-171450">
+              <a:buFont typeface="Arial" panose="020B0604020202020204" pitchFamily="34" charset="0"/>
+              <a:buChar char="•"/>
+            </a:pPr>
+            <a:r>
+              <a:rPr lang="en-US" b="1" dirty="0" err="1"/>
+              <a:t>Kubelet</a:t>
+            </a:r>
+            <a:endParaRPr lang="en-US" b="1" dirty="0"/>
           </a:p>
           <a:p>
             <a:pPr marL="628650" lvl="1" indent="-171450">
@@ -1859,8 +1604,12 @@
               <a:buChar char="•"/>
             </a:pPr>
             <a:r>
+              <a:rPr lang="en-US" b="0" dirty="0"/>
+              <a:t>Master – Node </a:t>
+            </a:r>
+            <a:r>
               <a:rPr lang="en-US" b="0" dirty="0" err="1"/>
-              <a:t>Affinitás</a:t>
+              <a:t>kommunikáció</a:t>
             </a:r>
             <a:endParaRPr lang="en-US" b="0" dirty="0"/>
           </a:p>
@@ -1871,22 +1620,31 @@
             </a:pPr>
             <a:r>
               <a:rPr lang="en-US" b="0" dirty="0" err="1"/>
-              <a:t>Adatlokalizáció</a:t>
-            </a:r>
-            <a:endParaRPr lang="en-US" b="0" dirty="0"/>
-          </a:p>
-          <a:p>
-            <a:pPr marL="0" lvl="0" indent="0">
-              <a:buFont typeface="Arial" panose="020B0604020202020204" pitchFamily="34" charset="0"/>
-              <a:buNone/>
-            </a:pPr>
-            <a:r>
-              <a:rPr lang="en-US" b="1" dirty="0" err="1"/>
-              <a:t>kube</a:t>
-            </a:r>
-            <a:r>
-              <a:rPr lang="en-US" b="1" dirty="0"/>
-              <a:t>-controller-manager</a:t>
+              <a:t>Biztosítja</a:t>
+            </a:r>
+            <a:r>
+              <a:rPr lang="en-US" b="0" dirty="0"/>
+              <a:t>, </a:t>
+            </a:r>
+            <a:r>
+              <a:rPr lang="en-US" b="0" dirty="0" err="1"/>
+              <a:t>hogy</a:t>
+            </a:r>
+            <a:r>
+              <a:rPr lang="en-US" b="0" dirty="0"/>
+              <a:t> a </a:t>
+            </a:r>
+            <a:r>
+              <a:rPr lang="en-US" b="0" dirty="0" err="1"/>
+              <a:t>konténerek</a:t>
+            </a:r>
+            <a:r>
+              <a:rPr lang="en-US" b="0" dirty="0"/>
+              <a:t> pod-ban </a:t>
+            </a:r>
+            <a:r>
+              <a:rPr lang="en-US" b="0" dirty="0" err="1"/>
+              <a:t>futnak</a:t>
             </a:r>
             <a:endParaRPr lang="en-US" b="0" dirty="0"/>
           </a:p>
@@ -1896,16 +1654,24 @@
               <a:buChar char="•"/>
             </a:pPr>
             <a:r>
+              <a:rPr lang="en-US" b="1" dirty="0"/>
+              <a:t>Docker </a:t>
+            </a:r>
+            <a:r>
+              <a:rPr lang="en-US" b="0" dirty="0"/>
+              <a:t>(image pl. </a:t>
+            </a:r>
+            <a:r>
               <a:rPr lang="en-US" b="0" dirty="0" err="1"/>
-              <a:t>monitorozza</a:t>
+              <a:t>DockerHub-ról</a:t>
             </a:r>
             <a:r>
               <a:rPr lang="en-US" b="0" dirty="0"/>
-              <a:t> a cluster </a:t>
+              <a:t>, </a:t>
             </a:r>
             <a:r>
               <a:rPr lang="en-US" b="0" dirty="0" err="1"/>
-              <a:t>állapotát</a:t>
+              <a:t>konténer</a:t>
             </a:r>
             <a:r>
               <a:rPr lang="en-US" b="0" dirty="0"/>
@@ -1913,279 +1679,19 @@
             </a:r>
             <a:r>
               <a:rPr lang="en-US" b="0" dirty="0" err="1"/>
-              <a:t>az</a:t>
-            </a:r>
-            <a:r>
-              <a:rPr lang="en-US" b="0" dirty="0"/>
-              <a:t> </a:t>
-            </a:r>
-            <a:r>
-              <a:rPr lang="en-US" b="0" dirty="0" err="1"/>
-              <a:t>apiserver-en</a:t>
-            </a:r>
-            <a:r>
-              <a:rPr lang="en-US" b="0" dirty="0"/>
-              <a:t> </a:t>
-            </a:r>
-            <a:r>
-              <a:rPr lang="en-US" b="0" dirty="0" err="1"/>
-              <a:t>keresztül</a:t>
-            </a:r>
-            <a:endParaRPr lang="en-US" b="0" dirty="0"/>
-          </a:p>
-          <a:p>
-            <a:pPr marL="171450" lvl="0" indent="-171450">
-              <a:buFont typeface="Arial" panose="020B0604020202020204" pitchFamily="34" charset="0"/>
-              <a:buChar char="•"/>
+              <a:t>futtatása</a:t>
+            </a:r>
+            <a:endParaRPr lang="en-US" b="1" dirty="0"/>
+          </a:p>
+          <a:p>
+            <a:pPr marL="171450" indent="-171450">
+              <a:buFontTx/>
+              <a:buChar char="-"/>
             </a:pPr>
-            <a:r>
-              <a:rPr lang="en-US" b="0" dirty="0" err="1"/>
-              <a:t>kalibrálja</a:t>
-            </a:r>
-            <a:r>
-              <a:rPr lang="en-US" b="0" dirty="0"/>
-              <a:t> a cluster-t, </a:t>
-            </a:r>
-            <a:r>
-              <a:rPr lang="en-US" b="0" dirty="0" err="1"/>
-              <a:t>hogy</a:t>
-            </a:r>
-            <a:r>
-              <a:rPr lang="en-US" b="0" dirty="0"/>
-              <a:t> </a:t>
-            </a:r>
-            <a:r>
-              <a:rPr lang="en-US" b="0" dirty="0" err="1"/>
-              <a:t>elérje</a:t>
-            </a:r>
-            <a:r>
-              <a:rPr lang="en-US" b="0" dirty="0"/>
-              <a:t> a </a:t>
-            </a:r>
-            <a:r>
-              <a:rPr lang="en-US" b="0" dirty="0" err="1"/>
-              <a:t>felhasználó</a:t>
-            </a:r>
-            <a:r>
-              <a:rPr lang="en-US" b="0" dirty="0"/>
-              <a:t> </a:t>
-            </a:r>
-            <a:r>
-              <a:rPr lang="en-US" b="0" dirty="0" err="1"/>
-              <a:t>által</a:t>
-            </a:r>
-            <a:r>
-              <a:rPr lang="en-US" b="0" dirty="0"/>
-              <a:t> </a:t>
-            </a:r>
-            <a:r>
-              <a:rPr lang="en-US" b="0" dirty="0" err="1"/>
-              <a:t>definiált</a:t>
-            </a:r>
-            <a:r>
-              <a:rPr lang="en-US" b="0" dirty="0"/>
-              <a:t> </a:t>
-            </a:r>
-            <a:r>
-              <a:rPr lang="en-US" b="0" dirty="0" err="1"/>
-              <a:t>állapotot</a:t>
-            </a:r>
-            <a:r>
-              <a:rPr lang="en-US" b="0" dirty="0"/>
-              <a:t> (‘desired state’)</a:t>
-            </a:r>
-          </a:p>
-          <a:p>
-            <a:pPr marL="0" lvl="0" indent="0">
-              <a:buFont typeface="Arial" panose="020B0604020202020204" pitchFamily="34" charset="0"/>
-              <a:buNone/>
-            </a:pPr>
-            <a:r>
-              <a:rPr lang="en-US" b="1" dirty="0"/>
-              <a:t>cloud-controller-manager</a:t>
-            </a:r>
-          </a:p>
-          <a:p>
-            <a:pPr marL="171450" lvl="0" indent="-171450">
-              <a:buFont typeface="Arial" panose="020B0604020202020204" pitchFamily="34" charset="0"/>
-              <a:buChar char="•"/>
-            </a:pPr>
-            <a:r>
-              <a:rPr lang="en-US" b="0" dirty="0"/>
-              <a:t>cloud </a:t>
-            </a:r>
-            <a:r>
-              <a:rPr lang="en-US" b="0" dirty="0" err="1"/>
-              <a:t>szolgáltató</a:t>
-            </a:r>
-            <a:r>
-              <a:rPr lang="en-US" b="0" dirty="0"/>
-              <a:t> </a:t>
-            </a:r>
-            <a:r>
-              <a:rPr lang="en-US" b="0" dirty="0" err="1"/>
-              <a:t>specifikus</a:t>
-            </a:r>
-            <a:r>
-              <a:rPr lang="en-US" b="0" dirty="0"/>
-              <a:t> </a:t>
-            </a:r>
-            <a:r>
-              <a:rPr lang="en-US" b="0" dirty="0" err="1"/>
-              <a:t>vezérlő</a:t>
-            </a:r>
-            <a:r>
-              <a:rPr lang="en-US" b="0" dirty="0"/>
-              <a:t> </a:t>
-            </a:r>
-            <a:r>
-              <a:rPr lang="en-US" b="0" dirty="0" err="1"/>
-              <a:t>programokat</a:t>
-            </a:r>
-            <a:r>
-              <a:rPr lang="en-US" b="0" dirty="0"/>
-              <a:t> </a:t>
-            </a:r>
-            <a:r>
-              <a:rPr lang="en-US" b="0" dirty="0" err="1"/>
-              <a:t>futtat</a:t>
-            </a:r>
-            <a:endParaRPr lang="en-US" b="0" dirty="0"/>
-          </a:p>
-          <a:p>
-            <a:pPr marL="628650" lvl="1" indent="-171450">
-              <a:buFont typeface="Arial" panose="020B0604020202020204" pitchFamily="34" charset="0"/>
-              <a:buChar char="•"/>
-            </a:pPr>
-            <a:r>
-              <a:rPr lang="en-US" b="0" dirty="0" err="1"/>
-              <a:t>Így</a:t>
-            </a:r>
-            <a:r>
-              <a:rPr lang="en-US" b="0" dirty="0"/>
-              <a:t> </a:t>
-            </a:r>
-            <a:r>
-              <a:rPr lang="en-US" b="0" dirty="0" err="1"/>
-              <a:t>különválhat</a:t>
-            </a:r>
-            <a:r>
-              <a:rPr lang="en-US" b="0" dirty="0"/>
-              <a:t> a K8s </a:t>
-            </a:r>
-            <a:r>
-              <a:rPr lang="en-US" b="0" dirty="0" err="1"/>
-              <a:t>és</a:t>
-            </a:r>
-            <a:r>
-              <a:rPr lang="en-US" b="0" dirty="0"/>
-              <a:t> a cloud </a:t>
-            </a:r>
-            <a:r>
-              <a:rPr lang="en-US" b="0" dirty="0" err="1"/>
-              <a:t>szolgáltató</a:t>
-            </a:r>
-            <a:r>
-              <a:rPr lang="en-US" b="0" dirty="0"/>
-              <a:t> </a:t>
-            </a:r>
-            <a:r>
-              <a:rPr lang="en-US" b="0" dirty="0" err="1"/>
-              <a:t>feljődése</a:t>
-            </a:r>
-            <a:endParaRPr lang="en-US" b="0" dirty="0"/>
-          </a:p>
-          <a:p>
-            <a:pPr marL="0" lvl="0" indent="0">
-              <a:buFont typeface="Arial" panose="020B0604020202020204" pitchFamily="34" charset="0"/>
-              <a:buNone/>
-            </a:pPr>
-            <a:r>
-              <a:rPr lang="en-US" b="1" dirty="0" err="1"/>
-              <a:t>kube</a:t>
-            </a:r>
-            <a:r>
-              <a:rPr lang="en-US" b="1" dirty="0"/>
-              <a:t>-proxy</a:t>
-            </a:r>
-          </a:p>
-          <a:p>
-            <a:pPr marL="171450" lvl="0" indent="-171450">
-              <a:buFont typeface="Arial" panose="020B0604020202020204" pitchFamily="34" charset="0"/>
-              <a:buChar char="•"/>
-            </a:pPr>
-            <a:r>
-              <a:rPr lang="en-US" b="0" dirty="0" err="1"/>
-              <a:t>ez</a:t>
-            </a:r>
-            <a:r>
-              <a:rPr lang="en-US" b="0" dirty="0"/>
-              <a:t> </a:t>
-            </a:r>
-            <a:r>
-              <a:rPr lang="en-US" b="0" dirty="0" err="1"/>
-              <a:t>teszi</a:t>
-            </a:r>
-            <a:r>
-              <a:rPr lang="en-US" b="0" dirty="0"/>
-              <a:t> </a:t>
-            </a:r>
-            <a:r>
-              <a:rPr lang="en-US" b="0" dirty="0" err="1"/>
-              <a:t>lehetővé</a:t>
-            </a:r>
-            <a:r>
-              <a:rPr lang="en-US" b="0" dirty="0"/>
-              <a:t> Service-k </a:t>
-            </a:r>
-            <a:r>
-              <a:rPr lang="en-US" b="0" dirty="0" err="1"/>
-              <a:t>definiálását</a:t>
-            </a:r>
-            <a:endParaRPr lang="en-US" b="0" dirty="0"/>
-          </a:p>
-          <a:p>
-            <a:pPr marL="628650" lvl="1" indent="-171450">
-              <a:buFont typeface="Arial" panose="020B0604020202020204" pitchFamily="34" charset="0"/>
-              <a:buChar char="•"/>
-            </a:pPr>
-            <a:r>
-              <a:rPr lang="en-US" b="0" dirty="0" err="1"/>
-              <a:t>saját</a:t>
-            </a:r>
-            <a:r>
-              <a:rPr lang="en-US" b="0" dirty="0"/>
-              <a:t>, </a:t>
-            </a:r>
-            <a:r>
-              <a:rPr lang="en-US" b="0" dirty="0" err="1"/>
-              <a:t>stabil</a:t>
-            </a:r>
-            <a:r>
-              <a:rPr lang="en-US" b="0" dirty="0"/>
-              <a:t> </a:t>
-            </a:r>
-            <a:r>
-              <a:rPr lang="en-US" b="0" dirty="0" err="1"/>
-              <a:t>hálozati</a:t>
-            </a:r>
-            <a:r>
-              <a:rPr lang="en-US" b="0" dirty="0"/>
-              <a:t> </a:t>
-            </a:r>
-            <a:r>
-              <a:rPr lang="en-US" b="0" dirty="0" err="1"/>
-              <a:t>névtér</a:t>
-            </a:r>
-            <a:r>
-              <a:rPr lang="en-US" b="0" dirty="0"/>
-              <a:t> a Service-</a:t>
-            </a:r>
-            <a:r>
-              <a:rPr lang="en-US" b="0" dirty="0" err="1"/>
-              <a:t>eknek</a:t>
-            </a:r>
-            <a:endParaRPr lang="en-US" b="0" dirty="0"/>
+            <a:endParaRPr lang="en-US" dirty="0"/>
+          </a:p>
+          <a:p>
+            <a:endParaRPr lang="hu-HU" dirty="0"/>
           </a:p>
         </p:txBody>
       </p:sp>
@@ -2207,7 +1713,7 @@
             <a:pPr rtl="0"/>
             <a:fld id="{82869989-EB00-4EE7-BCB5-25BDC5BB29F8}" type="slidenum">
               <a:rPr lang="hu-HU" smtClean="0"/>
-              <a:t>8</a:t>
+              <a:t>7</a:t>
             </a:fld>
             <a:endParaRPr lang="hu-HU" dirty="0"/>
           </a:p>
@@ -2216,7 +1722,7 @@
     </p:spTree>
     <p:extLst>
       <p:ext uri="{BB962C8B-B14F-4D97-AF65-F5344CB8AC3E}">
-        <p14:creationId xmlns:p14="http://schemas.microsoft.com/office/powerpoint/2010/main" val="1140827795"/>
+        <p14:creationId xmlns:p14="http://schemas.microsoft.com/office/powerpoint/2010/main" val="3119113159"/>
       </p:ext>
     </p:extLst>
   </p:cSld>
@@ -2272,25 +1778,9 @@
           <a:p>
             <a:r>
               <a:rPr lang="en-US" b="1" dirty="0" err="1"/>
-              <a:t>kube</a:t>
-            </a:r>
-            <a:r>
-              <a:rPr lang="en-US" b="1" dirty="0"/>
-              <a:t>-proxy </a:t>
-            </a:r>
-            <a:r>
-              <a:rPr lang="en-US" b="0" dirty="0" err="1"/>
-              <a:t>teszi</a:t>
-            </a:r>
-            <a:r>
-              <a:rPr lang="en-US" b="0" dirty="0"/>
-              <a:t> </a:t>
-            </a:r>
-            <a:r>
-              <a:rPr lang="en-US" b="0" dirty="0" err="1"/>
-              <a:t>lehetővé</a:t>
-            </a:r>
-            <a:endParaRPr lang="en-US" b="0" dirty="0"/>
+              <a:t>kube-apiserver</a:t>
+            </a:r>
+            <a:endParaRPr lang="en-US" dirty="0"/>
           </a:p>
           <a:p>
             <a:pPr marL="171450" indent="-171450">
@@ -2298,23 +1788,45 @@
               <a:buChar char="•"/>
             </a:pPr>
             <a:r>
-              <a:rPr lang="en-US" b="0" dirty="0"/>
-              <a:t>Stabil </a:t>
-            </a:r>
-            <a:r>
-              <a:rPr lang="en-US" b="0" dirty="0" err="1"/>
-              <a:t>névterek</a:t>
-            </a:r>
-            <a:endParaRPr lang="en-US" b="0" dirty="0"/>
-          </a:p>
-          <a:p>
+              <a:rPr lang="en-US" dirty="0"/>
+              <a:t>API a </a:t>
+            </a:r>
+            <a:r>
+              <a:rPr lang="en-US" dirty="0" err="1"/>
+              <a:t>melyen</a:t>
+            </a:r>
+            <a:r>
+              <a:rPr lang="en-US" dirty="0"/>
+              <a:t> </a:t>
+            </a:r>
+            <a:r>
+              <a:rPr lang="en-US" dirty="0" err="1"/>
+              <a:t>keresztul</a:t>
+            </a:r>
+            <a:r>
+              <a:rPr lang="en-US" dirty="0"/>
+              <a:t> a </a:t>
+            </a:r>
+            <a:r>
+              <a:rPr lang="en-US" dirty="0" err="1"/>
+              <a:t>komponensek</a:t>
+            </a:r>
+            <a:r>
+              <a:rPr lang="en-US" dirty="0"/>
+              <a:t> </a:t>
+            </a:r>
+            <a:r>
+              <a:rPr lang="en-US" dirty="0" err="1"/>
+              <a:t>kommunikálnak</a:t>
+            </a:r>
+            <a:endParaRPr lang="en-US" dirty="0"/>
+          </a:p>
+          <a:p>
+            <a:r>
+              <a:rPr lang="en-US" b="1" dirty="0" err="1"/>
+              <a:t>etcd</a:t>
+            </a:r>
             <a:endParaRPr lang="en-US" b="1" dirty="0"/>
-          </a:p>
-          <a:p>
-            <a:r>
-              <a:rPr lang="en-US" b="1" dirty="0"/>
-              <a:t>Label</a:t>
-            </a:r>
           </a:p>
           <a:p>
             <a:pPr marL="171450" indent="-171450">
@@ -2322,16 +1834,46 @@
               <a:buChar char="•"/>
             </a:pPr>
             <a:r>
-              <a:rPr lang="en-US" b="0" dirty="0" err="1"/>
-              <a:t>Kulcs-érték</a:t>
-            </a:r>
-            <a:r>
-              <a:rPr lang="en-US" b="0" dirty="0"/>
+              <a:rPr lang="en-US" dirty="0" err="1"/>
+              <a:t>kulcs-érték</a:t>
+            </a:r>
+            <a:r>
+              <a:rPr lang="en-US" dirty="0"/>
               <a:t> </a:t>
             </a:r>
             <a:r>
-              <a:rPr lang="en-US" b="0" dirty="0" err="1"/>
-              <a:t>pár</a:t>
+              <a:rPr lang="en-US" dirty="0" err="1"/>
+              <a:t>tároló</a:t>
+            </a:r>
+            <a:r>
+              <a:rPr lang="en-US" dirty="0"/>
+              <a:t>, </a:t>
+            </a:r>
+            <a:r>
+              <a:rPr lang="en-US" dirty="0" err="1"/>
+              <a:t>nyilvántartja</a:t>
+            </a:r>
+            <a:r>
+              <a:rPr lang="en-US" dirty="0"/>
+              <a:t> a K8s cluster </a:t>
+            </a:r>
+            <a:r>
+              <a:rPr lang="en-US" dirty="0" err="1"/>
+              <a:t>allapotat</a:t>
+            </a:r>
+            <a:r>
+              <a:rPr lang="en-US" dirty="0"/>
+              <a:t> (BACKUP)</a:t>
+            </a:r>
+          </a:p>
+          <a:p>
+            <a:r>
+              <a:rPr lang="en-US" b="1" dirty="0" err="1"/>
+              <a:t>kube</a:t>
+            </a:r>
+            <a:r>
+              <a:rPr lang="en-US" b="1" dirty="0"/>
+              <a:t>-scheduler</a:t>
             </a:r>
             <a:endParaRPr lang="en-US" b="0" dirty="0"/>
           </a:p>
@@ -2341,12 +1883,8 @@
               <a:buChar char="•"/>
             </a:pPr>
             <a:r>
-              <a:rPr lang="en-US" b="0" dirty="0"/>
-              <a:t>K8s </a:t>
-            </a:r>
-            <a:r>
               <a:rPr lang="en-US" b="0" dirty="0" err="1"/>
-              <a:t>objektumok</a:t>
+              <a:t>Új</a:t>
             </a:r>
             <a:r>
               <a:rPr lang="en-US" b="0" dirty="0"/>
@@ -2354,7 +1892,23 @@
             </a:r>
             <a:r>
               <a:rPr lang="en-US" b="0" dirty="0" err="1"/>
-              <a:t>azonosítására</a:t>
+              <a:t>podok</a:t>
+            </a:r>
+            <a:r>
+              <a:rPr lang="en-US" b="0" dirty="0"/>
+              <a:t> node-</a:t>
+            </a:r>
+            <a:r>
+              <a:rPr lang="en-US" b="0" dirty="0" err="1"/>
+              <a:t>hoz</a:t>
+            </a:r>
+            <a:r>
+              <a:rPr lang="en-US" b="0" dirty="0"/>
+              <a:t> </a:t>
+            </a:r>
+            <a:r>
+              <a:rPr lang="en-US" b="0" dirty="0" err="1"/>
+              <a:t>rendelése</a:t>
             </a:r>
             <a:endParaRPr lang="en-US" b="0" dirty="0"/>
           </a:p>
@@ -2365,7 +1919,18 @@
             </a:pPr>
             <a:r>
               <a:rPr lang="en-US" b="0" dirty="0" err="1"/>
-              <a:t>Egyedi</a:t>
+              <a:t>Szempontok</a:t>
+            </a:r>
+            <a:endParaRPr lang="en-US" b="0" dirty="0"/>
+          </a:p>
+          <a:p>
+            <a:pPr marL="628650" lvl="1" indent="-171450">
+              <a:buFont typeface="Arial" panose="020B0604020202020204" pitchFamily="34" charset="0"/>
+              <a:buChar char="•"/>
+            </a:pPr>
+            <a:r>
+              <a:rPr lang="en-US" b="0" dirty="0" err="1"/>
+              <a:t>Erőforrás</a:t>
             </a:r>
             <a:r>
               <a:rPr lang="en-US" b="0" dirty="0"/>
@@ -2373,7 +1938,78 @@
             </a:r>
             <a:r>
               <a:rPr lang="en-US" b="0" dirty="0" err="1"/>
-              <a:t>üzleti</a:t>
+              <a:t>követelmények</a:t>
+            </a:r>
+            <a:endParaRPr lang="en-US" b="0" dirty="0"/>
+          </a:p>
+          <a:p>
+            <a:pPr marL="628650" lvl="1" indent="-171450">
+              <a:buFont typeface="Arial" panose="020B0604020202020204" pitchFamily="34" charset="0"/>
+              <a:buChar char="•"/>
+            </a:pPr>
+            <a:r>
+              <a:rPr lang="en-US" b="0" dirty="0"/>
+              <a:t>HW/SW </a:t>
+            </a:r>
+            <a:r>
+              <a:rPr lang="en-US" b="0" dirty="0" err="1"/>
+              <a:t>kényszerek</a:t>
+            </a:r>
+            <a:endParaRPr lang="en-US" b="0" dirty="0"/>
+          </a:p>
+          <a:p>
+            <a:pPr marL="628650" lvl="1" indent="-171450">
+              <a:buFont typeface="Arial" panose="020B0604020202020204" pitchFamily="34" charset="0"/>
+              <a:buChar char="•"/>
+            </a:pPr>
+            <a:r>
+              <a:rPr lang="en-US" b="0" dirty="0" err="1"/>
+              <a:t>Affinitás</a:t>
+            </a:r>
+            <a:endParaRPr lang="en-US" b="0" dirty="0"/>
+          </a:p>
+          <a:p>
+            <a:pPr marL="628650" lvl="1" indent="-171450">
+              <a:buFont typeface="Arial" panose="020B0604020202020204" pitchFamily="34" charset="0"/>
+              <a:buChar char="•"/>
+            </a:pPr>
+            <a:r>
+              <a:rPr lang="en-US" b="0" dirty="0" err="1"/>
+              <a:t>Adatlokalizáció</a:t>
+            </a:r>
+            <a:endParaRPr lang="en-US" b="0" dirty="0"/>
+          </a:p>
+          <a:p>
+            <a:pPr marL="0" lvl="0" indent="0">
+              <a:buFont typeface="Arial" panose="020B0604020202020204" pitchFamily="34" charset="0"/>
+              <a:buNone/>
+            </a:pPr>
+            <a:r>
+              <a:rPr lang="en-US" b="1" dirty="0" err="1"/>
+              <a:t>kube</a:t>
+            </a:r>
+            <a:r>
+              <a:rPr lang="en-US" b="1" dirty="0"/>
+              <a:t>-controller-manager</a:t>
+            </a:r>
+            <a:endParaRPr lang="en-US" b="0" dirty="0"/>
+          </a:p>
+          <a:p>
+            <a:pPr marL="171450" lvl="0" indent="-171450">
+              <a:buFont typeface="Arial" panose="020B0604020202020204" pitchFamily="34" charset="0"/>
+              <a:buChar char="•"/>
+            </a:pPr>
+            <a:r>
+              <a:rPr lang="en-US" b="0" dirty="0" err="1"/>
+              <a:t>monitorozza</a:t>
+            </a:r>
+            <a:r>
+              <a:rPr lang="en-US" b="0" dirty="0"/>
+              <a:t> a cluster </a:t>
+            </a:r>
+            <a:r>
+              <a:rPr lang="en-US" b="0" dirty="0" err="1"/>
+              <a:t>állapotát</a:t>
             </a:r>
             <a:r>
               <a:rPr lang="en-US" b="0" dirty="0"/>
@@ -2381,7 +2017,7 @@
             </a:r>
             <a:r>
               <a:rPr lang="en-US" b="0" dirty="0" err="1"/>
-              <a:t>logika</a:t>
+              <a:t>az</a:t>
             </a:r>
             <a:r>
               <a:rPr lang="en-US" b="0" dirty="0"/>
@@ -2389,7 +2025,7 @@
             </a:r>
             <a:r>
               <a:rPr lang="en-US" b="0" dirty="0" err="1"/>
-              <a:t>szerinti</a:t>
+              <a:t>apiserver-en</a:t>
             </a:r>
             <a:r>
               <a:rPr lang="en-US" b="0" dirty="0"/>
@@ -2397,9 +2033,263 @@
             </a:r>
             <a:r>
               <a:rPr lang="en-US" b="0" dirty="0" err="1"/>
-              <a:t>csoportosítás</a:t>
-            </a:r>
-            <a:endParaRPr lang="hu-HU" b="0" dirty="0"/>
+              <a:t>keresztül</a:t>
+            </a:r>
+            <a:endParaRPr lang="en-US" b="0" dirty="0"/>
+          </a:p>
+          <a:p>
+            <a:pPr marL="171450" lvl="0" indent="-171450">
+              <a:buFont typeface="Arial" panose="020B0604020202020204" pitchFamily="34" charset="0"/>
+              <a:buChar char="•"/>
+            </a:pPr>
+            <a:r>
+              <a:rPr lang="en-US" b="0" dirty="0" err="1"/>
+              <a:t>kalibrálja</a:t>
+            </a:r>
+            <a:r>
+              <a:rPr lang="en-US" b="0" dirty="0"/>
+              <a:t> a cluster-t, </a:t>
+            </a:r>
+            <a:r>
+              <a:rPr lang="en-US" b="0" dirty="0" err="1"/>
+              <a:t>hogy</a:t>
+            </a:r>
+            <a:r>
+              <a:rPr lang="en-US" b="0" dirty="0"/>
+              <a:t> </a:t>
+            </a:r>
+            <a:r>
+              <a:rPr lang="en-US" b="0" dirty="0" err="1"/>
+              <a:t>elérje</a:t>
+            </a:r>
+            <a:r>
+              <a:rPr lang="en-US" b="0" dirty="0"/>
+              <a:t> a </a:t>
+            </a:r>
+            <a:r>
+              <a:rPr lang="en-US" b="0" dirty="0" err="1"/>
+              <a:t>felhasználó</a:t>
+            </a:r>
+            <a:r>
+              <a:rPr lang="en-US" b="0" dirty="0"/>
+              <a:t> </a:t>
+            </a:r>
+            <a:r>
+              <a:rPr lang="en-US" b="0" dirty="0" err="1"/>
+              <a:t>által</a:t>
+            </a:r>
+            <a:r>
+              <a:rPr lang="en-US" b="0" dirty="0"/>
+              <a:t> </a:t>
+            </a:r>
+            <a:r>
+              <a:rPr lang="en-US" b="0" dirty="0" err="1"/>
+              <a:t>definiált</a:t>
+            </a:r>
+            <a:r>
+              <a:rPr lang="en-US" b="0" dirty="0"/>
+              <a:t> </a:t>
+            </a:r>
+            <a:r>
+              <a:rPr lang="en-US" b="0" dirty="0" err="1"/>
+              <a:t>állapotot</a:t>
+            </a:r>
+            <a:r>
+              <a:rPr lang="en-US" b="0" dirty="0"/>
+              <a:t> (‘desired state’)</a:t>
+            </a:r>
+          </a:p>
+          <a:p>
+            <a:pPr marL="0" lvl="0" indent="0">
+              <a:buFont typeface="Arial" panose="020B0604020202020204" pitchFamily="34" charset="0"/>
+              <a:buNone/>
+            </a:pPr>
+            <a:r>
+              <a:rPr lang="en-US" b="1" dirty="0"/>
+              <a:t>cloud-controller-manager</a:t>
+            </a:r>
+          </a:p>
+          <a:p>
+            <a:pPr marL="171450" lvl="0" indent="-171450">
+              <a:buFont typeface="Arial" panose="020B0604020202020204" pitchFamily="34" charset="0"/>
+              <a:buChar char="•"/>
+            </a:pPr>
+            <a:r>
+              <a:rPr lang="en-US" b="0" dirty="0"/>
+              <a:t>cloud </a:t>
+            </a:r>
+            <a:r>
+              <a:rPr lang="en-US" b="0" dirty="0" err="1"/>
+              <a:t>szolgáltató</a:t>
+            </a:r>
+            <a:r>
+              <a:rPr lang="en-US" b="0" dirty="0"/>
+              <a:t> </a:t>
+            </a:r>
+            <a:r>
+              <a:rPr lang="en-US" b="0" dirty="0" err="1"/>
+              <a:t>specifikus</a:t>
+            </a:r>
+            <a:r>
+              <a:rPr lang="en-US" b="0" dirty="0"/>
+              <a:t> </a:t>
+            </a:r>
+            <a:r>
+              <a:rPr lang="en-US" b="0" dirty="0" err="1"/>
+              <a:t>vezérlő</a:t>
+            </a:r>
+            <a:r>
+              <a:rPr lang="en-US" b="0" dirty="0"/>
+              <a:t> </a:t>
+            </a:r>
+            <a:r>
+              <a:rPr lang="en-US" b="0" dirty="0" err="1"/>
+              <a:t>programokat</a:t>
+            </a:r>
+            <a:r>
+              <a:rPr lang="en-US" b="0" dirty="0"/>
+              <a:t> </a:t>
+            </a:r>
+            <a:r>
+              <a:rPr lang="en-US" b="0" dirty="0" err="1"/>
+              <a:t>futtat</a:t>
+            </a:r>
+            <a:endParaRPr lang="en-US" b="0" dirty="0"/>
+          </a:p>
+          <a:p>
+            <a:pPr marL="628650" lvl="1" indent="-171450">
+              <a:buFont typeface="Arial" panose="020B0604020202020204" pitchFamily="34" charset="0"/>
+              <a:buChar char="•"/>
+            </a:pPr>
+            <a:r>
+              <a:rPr lang="en-US" b="0" dirty="0" err="1"/>
+              <a:t>Így</a:t>
+            </a:r>
+            <a:r>
+              <a:rPr lang="en-US" b="0" dirty="0"/>
+              <a:t> </a:t>
+            </a:r>
+            <a:r>
+              <a:rPr lang="en-US" b="0" dirty="0" err="1"/>
+              <a:t>különválhat</a:t>
+            </a:r>
+            <a:r>
+              <a:rPr lang="en-US" b="0" dirty="0"/>
+              <a:t> a K8s </a:t>
+            </a:r>
+            <a:r>
+              <a:rPr lang="en-US" b="0" dirty="0" err="1"/>
+              <a:t>és</a:t>
+            </a:r>
+            <a:r>
+              <a:rPr lang="en-US" b="0" dirty="0"/>
+              <a:t> a cloud </a:t>
+            </a:r>
+            <a:r>
+              <a:rPr lang="en-US" b="0" dirty="0" err="1"/>
+              <a:t>szolgáltató</a:t>
+            </a:r>
+            <a:r>
+              <a:rPr lang="en-US" b="0" dirty="0"/>
+              <a:t> </a:t>
+            </a:r>
+            <a:r>
+              <a:rPr lang="en-US" b="0" dirty="0" err="1"/>
+              <a:t>feljődése</a:t>
+            </a:r>
+            <a:endParaRPr lang="en-US" b="0" dirty="0"/>
+          </a:p>
+          <a:p>
+            <a:pPr marL="0" lvl="0" indent="0">
+              <a:buFont typeface="Arial" panose="020B0604020202020204" pitchFamily="34" charset="0"/>
+              <a:buNone/>
+            </a:pPr>
+            <a:r>
+              <a:rPr lang="en-US" b="1" dirty="0" err="1"/>
+              <a:t>kube</a:t>
+            </a:r>
+            <a:r>
+              <a:rPr lang="en-US" b="1" dirty="0"/>
+              <a:t>-proxy</a:t>
+            </a:r>
+          </a:p>
+          <a:p>
+            <a:pPr marL="171450" lvl="0" indent="-171450">
+              <a:buFont typeface="Arial" panose="020B0604020202020204" pitchFamily="34" charset="0"/>
+              <a:buChar char="•"/>
+            </a:pPr>
+            <a:r>
+              <a:rPr lang="en-US" b="0" dirty="0" err="1"/>
+              <a:t>ez</a:t>
+            </a:r>
+            <a:r>
+              <a:rPr lang="en-US" b="0" dirty="0"/>
+              <a:t> </a:t>
+            </a:r>
+            <a:r>
+              <a:rPr lang="en-US" b="0" dirty="0" err="1"/>
+              <a:t>teszi</a:t>
+            </a:r>
+            <a:r>
+              <a:rPr lang="en-US" b="0" dirty="0"/>
+              <a:t> </a:t>
+            </a:r>
+            <a:r>
+              <a:rPr lang="en-US" b="0" dirty="0" err="1"/>
+              <a:t>lehetővé</a:t>
+            </a:r>
+            <a:r>
+              <a:rPr lang="en-US" b="0" dirty="0"/>
+              <a:t> Service-k </a:t>
+            </a:r>
+            <a:r>
+              <a:rPr lang="en-US" b="0" dirty="0" err="1"/>
+              <a:t>definiálását</a:t>
+            </a:r>
+            <a:endParaRPr lang="en-US" b="0" dirty="0"/>
+          </a:p>
+          <a:p>
+            <a:pPr marL="628650" lvl="1" indent="-171450">
+              <a:buFont typeface="Arial" panose="020B0604020202020204" pitchFamily="34" charset="0"/>
+              <a:buChar char="•"/>
+            </a:pPr>
+            <a:r>
+              <a:rPr lang="en-US" b="0" dirty="0" err="1"/>
+              <a:t>saját</a:t>
+            </a:r>
+            <a:r>
+              <a:rPr lang="en-US" b="0" dirty="0"/>
+              <a:t>, </a:t>
+            </a:r>
+            <a:r>
+              <a:rPr lang="en-US" b="0" dirty="0" err="1"/>
+              <a:t>stabil</a:t>
+            </a:r>
+            <a:r>
+              <a:rPr lang="en-US" b="0" dirty="0"/>
+              <a:t> </a:t>
+            </a:r>
+            <a:r>
+              <a:rPr lang="en-US" b="0" dirty="0" err="1"/>
+              <a:t>hálozati</a:t>
+            </a:r>
+            <a:r>
+              <a:rPr lang="en-US" b="0" dirty="0"/>
+              <a:t> </a:t>
+            </a:r>
+            <a:r>
+              <a:rPr lang="en-US" b="0" dirty="0" err="1"/>
+              <a:t>névtér</a:t>
+            </a:r>
+            <a:r>
+              <a:rPr lang="en-US" b="0" dirty="0"/>
+              <a:t> a Service-</a:t>
+            </a:r>
+            <a:r>
+              <a:rPr lang="en-US" b="0" dirty="0" err="1"/>
+              <a:t>eknek</a:t>
+            </a:r>
+            <a:endParaRPr lang="en-US" b="0" dirty="0"/>
           </a:p>
         </p:txBody>
       </p:sp>
@@ -2421,7 +2311,7 @@
             <a:pPr rtl="0"/>
             <a:fld id="{82869989-EB00-4EE7-BCB5-25BDC5BB29F8}" type="slidenum">
               <a:rPr lang="hu-HU" smtClean="0"/>
-              <a:t>9</a:t>
+              <a:t>8</a:t>
             </a:fld>
             <a:endParaRPr lang="hu-HU" dirty="0"/>
           </a:p>
@@ -2430,7 +2320,7 @@
     </p:spTree>
     <p:extLst>
       <p:ext uri="{BB962C8B-B14F-4D97-AF65-F5344CB8AC3E}">
-        <p14:creationId xmlns:p14="http://schemas.microsoft.com/office/powerpoint/2010/main" val="1244875905"/>
+        <p14:creationId xmlns:p14="http://schemas.microsoft.com/office/powerpoint/2010/main" val="1140827795"/>
       </p:ext>
     </p:extLst>
   </p:cSld>
@@ -2484,7 +2374,229 @@
           <a:bodyPr/>
           <a:lstStyle/>
           <a:p>
-            <a:endParaRPr lang="hu-HU" dirty="0"/>
+            <a:r>
+              <a:rPr lang="en-US" b="1" dirty="0" err="1"/>
+              <a:t>kube</a:t>
+            </a:r>
+            <a:r>
+              <a:rPr lang="en-US" b="1" dirty="0"/>
+              <a:t>-proxy </a:t>
+            </a:r>
+            <a:r>
+              <a:rPr lang="en-US" b="0" dirty="0" err="1"/>
+              <a:t>teszi</a:t>
+            </a:r>
+            <a:r>
+              <a:rPr lang="en-US" b="0" dirty="0"/>
+              <a:t> </a:t>
+            </a:r>
+            <a:r>
+              <a:rPr lang="en-US" b="0" dirty="0" err="1"/>
+              <a:t>lehetővé</a:t>
+            </a:r>
+            <a:endParaRPr lang="en-US" b="0" dirty="0"/>
+          </a:p>
+          <a:p>
+            <a:pPr marL="171450" indent="-171450">
+              <a:buFont typeface="Arial" panose="020B0604020202020204" pitchFamily="34" charset="0"/>
+              <a:buChar char="•"/>
+            </a:pPr>
+            <a:r>
+              <a:rPr lang="en-US" b="0" dirty="0"/>
+              <a:t>Stabil </a:t>
+            </a:r>
+            <a:r>
+              <a:rPr lang="en-US" b="0" dirty="0" err="1"/>
+              <a:t>névterek</a:t>
+            </a:r>
+            <a:endParaRPr lang="en-US" b="0" dirty="0"/>
+          </a:p>
+          <a:p>
+            <a:endParaRPr lang="en-US" b="1" dirty="0"/>
+          </a:p>
+          <a:p>
+            <a:r>
+              <a:rPr lang="en-US" b="1" dirty="0"/>
+              <a:t>Label</a:t>
+            </a:r>
+          </a:p>
+          <a:p>
+            <a:pPr marL="171450" indent="-171450">
+              <a:buFont typeface="Arial" panose="020B0604020202020204" pitchFamily="34" charset="0"/>
+              <a:buChar char="•"/>
+            </a:pPr>
+            <a:r>
+              <a:rPr lang="en-US" b="0" dirty="0" err="1"/>
+              <a:t>Kulcs-érték</a:t>
+            </a:r>
+            <a:r>
+              <a:rPr lang="en-US" b="0" dirty="0"/>
+              <a:t> </a:t>
+            </a:r>
+            <a:r>
+              <a:rPr lang="en-US" b="0" dirty="0" err="1"/>
+              <a:t>pár</a:t>
+            </a:r>
+            <a:endParaRPr lang="en-US" b="0" dirty="0"/>
+          </a:p>
+          <a:p>
+            <a:pPr marL="171450" indent="-171450">
+              <a:buFont typeface="Arial" panose="020B0604020202020204" pitchFamily="34" charset="0"/>
+              <a:buChar char="•"/>
+            </a:pPr>
+            <a:r>
+              <a:rPr lang="en-US" b="0" dirty="0"/>
+              <a:t>K8s </a:t>
+            </a:r>
+            <a:r>
+              <a:rPr lang="en-US" b="0" dirty="0" err="1"/>
+              <a:t>objektumok</a:t>
+            </a:r>
+            <a:r>
+              <a:rPr lang="en-US" b="0" dirty="0"/>
+              <a:t> </a:t>
+            </a:r>
+            <a:r>
+              <a:rPr lang="en-US" b="0" dirty="0" err="1"/>
+              <a:t>azonosítására</a:t>
+            </a:r>
+            <a:endParaRPr lang="en-US" b="0" dirty="0"/>
+          </a:p>
+          <a:p>
+            <a:pPr marL="171450" indent="-171450">
+              <a:buFont typeface="Arial" panose="020B0604020202020204" pitchFamily="34" charset="0"/>
+              <a:buChar char="•"/>
+            </a:pPr>
+            <a:r>
+              <a:rPr lang="en-US" b="0" dirty="0" err="1"/>
+              <a:t>Egyedi</a:t>
+            </a:r>
+            <a:r>
+              <a:rPr lang="en-US" b="0" dirty="0"/>
+              <a:t> </a:t>
+            </a:r>
+            <a:r>
+              <a:rPr lang="en-US" b="0" dirty="0" err="1"/>
+              <a:t>üzleti</a:t>
+            </a:r>
+            <a:r>
+              <a:rPr lang="en-US" b="0" dirty="0"/>
+              <a:t> </a:t>
+            </a:r>
+            <a:r>
+              <a:rPr lang="en-US" b="0" dirty="0" err="1"/>
+              <a:t>logika</a:t>
+            </a:r>
+            <a:r>
+              <a:rPr lang="en-US" b="0" dirty="0"/>
+              <a:t> </a:t>
+            </a:r>
+            <a:r>
+              <a:rPr lang="en-US" b="0" dirty="0" err="1"/>
+              <a:t>szerinti</a:t>
+            </a:r>
+            <a:r>
+              <a:rPr lang="en-US" b="0" dirty="0"/>
+              <a:t> </a:t>
+            </a:r>
+            <a:r>
+              <a:rPr lang="en-US" b="0" dirty="0" err="1"/>
+              <a:t>csoportosítás</a:t>
+            </a:r>
+            <a:endParaRPr lang="en-US" b="0" dirty="0"/>
+          </a:p>
+          <a:p>
+            <a:pPr marL="0" indent="0">
+              <a:buFont typeface="Arial" panose="020B0604020202020204" pitchFamily="34" charset="0"/>
+              <a:buNone/>
+            </a:pPr>
+            <a:endParaRPr lang="en-US" b="0" dirty="0"/>
+          </a:p>
+          <a:p>
+            <a:pPr marL="0" indent="0">
+              <a:buFont typeface="Arial" panose="020B0604020202020204" pitchFamily="34" charset="0"/>
+              <a:buNone/>
+            </a:pPr>
+            <a:r>
+              <a:rPr lang="en-US" b="1" dirty="0"/>
+              <a:t>Microservice</a:t>
+            </a:r>
+          </a:p>
+          <a:p>
+            <a:pPr marL="171450" indent="-171450">
+              <a:buFont typeface="Arial" panose="020B0604020202020204" pitchFamily="34" charset="0"/>
+              <a:buChar char="•"/>
+            </a:pPr>
+            <a:r>
+              <a:rPr lang="en-US" b="0" dirty="0" err="1"/>
+              <a:t>Kis</a:t>
+            </a:r>
+            <a:r>
+              <a:rPr lang="en-US" b="0" dirty="0"/>
+              <a:t>, </a:t>
+            </a:r>
+            <a:r>
+              <a:rPr lang="en-US" b="0" dirty="0" err="1"/>
+              <a:t>önálló</a:t>
+            </a:r>
+            <a:r>
+              <a:rPr lang="en-US" b="0" dirty="0"/>
+              <a:t> </a:t>
+            </a:r>
+            <a:r>
+              <a:rPr lang="en-US" b="0" dirty="0" err="1"/>
+              <a:t>komponensek</a:t>
+            </a:r>
+            <a:endParaRPr lang="en-US" b="0" dirty="0"/>
+          </a:p>
+          <a:p>
+            <a:pPr marL="171450" indent="-171450">
+              <a:buFont typeface="Arial" panose="020B0604020202020204" pitchFamily="34" charset="0"/>
+              <a:buChar char="•"/>
+            </a:pPr>
+            <a:r>
+              <a:rPr lang="en-US" b="0" dirty="0" err="1"/>
+              <a:t>Skálázható</a:t>
+            </a:r>
+            <a:endParaRPr lang="en-US" b="0" dirty="0"/>
+          </a:p>
+          <a:p>
+            <a:pPr marL="171450" indent="-171450">
+              <a:buFont typeface="Arial" panose="020B0604020202020204" pitchFamily="34" charset="0"/>
+              <a:buChar char="•"/>
+            </a:pPr>
+            <a:r>
+              <a:rPr lang="en-US" b="0" dirty="0" err="1"/>
+              <a:t>Jól</a:t>
+            </a:r>
+            <a:r>
+              <a:rPr lang="en-US" b="0" dirty="0"/>
+              <a:t> </a:t>
+            </a:r>
+            <a:r>
+              <a:rPr lang="en-US" b="0" dirty="0" err="1"/>
+              <a:t>karbantartható</a:t>
+            </a:r>
+            <a:endParaRPr lang="en-US" b="0" dirty="0"/>
+          </a:p>
+          <a:p>
+            <a:pPr marL="171450" indent="-171450">
+              <a:buFont typeface="Arial" panose="020B0604020202020204" pitchFamily="34" charset="0"/>
+              <a:buChar char="•"/>
+            </a:pPr>
+            <a:r>
+              <a:rPr lang="en-US" b="0" dirty="0" err="1"/>
+              <a:t>Lazán</a:t>
+            </a:r>
+            <a:r>
+              <a:rPr lang="en-US" b="0" dirty="0"/>
+              <a:t> </a:t>
+            </a:r>
+            <a:r>
+              <a:rPr lang="en-US" b="0" dirty="0" err="1"/>
+              <a:t>összekapcsolódó</a:t>
+            </a:r>
+            <a:endParaRPr lang="hu-HU" b="0" dirty="0"/>
           </a:p>
         </p:txBody>
       </p:sp>
@@ -2506,6 +2618,91 @@
             <a:pPr rtl="0"/>
             <a:fld id="{82869989-EB00-4EE7-BCB5-25BDC5BB29F8}" type="slidenum">
               <a:rPr lang="hu-HU" smtClean="0"/>
+              <a:t>9</a:t>
+            </a:fld>
+            <a:endParaRPr lang="hu-HU" dirty="0"/>
+          </a:p>
+        </p:txBody>
+      </p:sp>
+    </p:spTree>
+    <p:extLst>
+      <p:ext uri="{BB962C8B-B14F-4D97-AF65-F5344CB8AC3E}">
+        <p14:creationId xmlns:p14="http://schemas.microsoft.com/office/powerpoint/2010/main" val="1244875905"/>
+      </p:ext>
+    </p:extLst>
+  </p:cSld>
+  <p:clrMapOvr>
+    <a:masterClrMapping/>
+  </p:clrMapOvr>
+</p:notes>
+</file>
+
+<file path=ppt/notesSlides/notesSlide8.xml><?xml version="1.0" encoding="utf-8"?>
+<p:notes xmlns:a="http://schemas.openxmlformats.org/drawingml/2006/main" xmlns:r="http://schemas.openxmlformats.org/officeDocument/2006/relationships" xmlns:p="http://schemas.openxmlformats.org/presentationml/2006/main">
+  <p:cSld>
+    <p:spTree>
+      <p:nvGrpSpPr>
+        <p:cNvPr id="1" name=""/>
+        <p:cNvGrpSpPr/>
+        <p:nvPr/>
+      </p:nvGrpSpPr>
+      <p:grpSpPr>
+        <a:xfrm>
+          <a:off x="0" y="0"/>
+          <a:ext cx="0" cy="0"/>
+          <a:chOff x="0" y="0"/>
+          <a:chExt cx="0" cy="0"/>
+        </a:xfrm>
+      </p:grpSpPr>
+      <p:sp>
+        <p:nvSpPr>
+          <p:cNvPr id="2" name="Diakép helye 1"/>
+          <p:cNvSpPr>
+            <a:spLocks noGrp="1" noRot="1" noChangeAspect="1"/>
+          </p:cNvSpPr>
+          <p:nvPr>
+            <p:ph type="sldImg"/>
+          </p:nvPr>
+        </p:nvSpPr>
+        <p:spPr/>
+      </p:sp>
+      <p:sp>
+        <p:nvSpPr>
+          <p:cNvPr id="3" name="Jegyzetek helye 2"/>
+          <p:cNvSpPr>
+            <a:spLocks noGrp="1"/>
+          </p:cNvSpPr>
+          <p:nvPr>
+            <p:ph type="body" idx="1"/>
+          </p:nvPr>
+        </p:nvSpPr>
+        <p:spPr/>
+        <p:txBody>
+          <a:bodyPr/>
+          <a:lstStyle/>
+          <a:p>
+            <a:endParaRPr lang="hu-HU" dirty="0"/>
+          </a:p>
+        </p:txBody>
+      </p:sp>
+      <p:sp>
+        <p:nvSpPr>
+          <p:cNvPr id="4" name="Dia számának helye 3"/>
+          <p:cNvSpPr>
+            <a:spLocks noGrp="1"/>
+          </p:cNvSpPr>
+          <p:nvPr>
+            <p:ph type="sldNum" sz="quarter" idx="5"/>
+          </p:nvPr>
+        </p:nvSpPr>
+        <p:spPr/>
+        <p:txBody>
+          <a:bodyPr/>
+          <a:lstStyle/>
+          <a:p>
+            <a:pPr rtl="0"/>
+            <a:fld id="{82869989-EB00-4EE7-BCB5-25BDC5BB29F8}" type="slidenum">
+              <a:rPr lang="hu-HU" smtClean="0"/>
               <a:t>10</a:t>
             </a:fld>
             <a:endParaRPr lang="hu-HU" dirty="0"/>
@@ -2525,7 +2722,7 @@
 </p:notes>
 </file>
 
-<file path=ppt/notesSlides/notesSlide8.xml><?xml version="1.0" encoding="utf-8"?>
+<file path=ppt/notesSlides/notesSlide9.xml><?xml version="1.0" encoding="utf-8"?>
 <p:notes xmlns:a="http://schemas.openxmlformats.org/drawingml/2006/main" xmlns:r="http://schemas.openxmlformats.org/officeDocument/2006/relationships" xmlns:p="http://schemas.openxmlformats.org/presentationml/2006/main">
   <p:cSld>
     <p:spTree>
@@ -4830,7 +5027,7 @@
             <a:pPr rtl="0"/>
             <a:fld id="{B82FEF61-DEE3-4915-AB15-6743E3C37E8C}" type="datetime1">
               <a:rPr lang="hu-HU" smtClean="0"/>
-              <a:t>2018. 12. 01.</a:t>
+              <a:t>2018. 12. 02.</a:t>
             </a:fld>
             <a:endParaRPr lang="hu-HU" dirty="0"/>
           </a:p>
@@ -5029,7 +5226,7 @@
             <a:pPr rtl="0"/>
             <a:fld id="{13037A20-FD97-4D6A-B2CF-8E7DF1F9D5DA}" type="datetime1">
               <a:rPr lang="hu-HU" smtClean="0"/>
-              <a:t>2018. 12. 01.</a:t>
+              <a:t>2018. 12. 02.</a:t>
             </a:fld>
             <a:endParaRPr lang="hu-HU" dirty="0"/>
           </a:p>
@@ -5218,7 +5415,7 @@
             <a:pPr rtl="0"/>
             <a:fld id="{E3723134-7796-4A68-BBD8-053ED6E1DC4E}" type="datetime1">
               <a:rPr lang="hu-HU" smtClean="0"/>
-              <a:t>2018. 12. 01.</a:t>
+              <a:t>2018. 12. 02.</a:t>
             </a:fld>
             <a:endParaRPr lang="hu-HU" dirty="0"/>
           </a:p>
@@ -7566,7 +7763,7 @@
             <a:pPr rtl="0"/>
             <a:fld id="{8B4F0257-E22B-40C7-8EF8-6E6F1D6DC03A}" type="datetime1">
               <a:rPr lang="hu-HU" smtClean="0"/>
-              <a:t>2018. 12. 01.</a:t>
+              <a:t>2018. 12. 02.</a:t>
             </a:fld>
             <a:endParaRPr lang="hu-HU" dirty="0"/>
           </a:p>
@@ -8025,7 +8222,7 @@
             <a:pPr rtl="0"/>
             <a:fld id="{C4B6AAAF-C2DC-4653-98D4-C15407753E58}" type="datetime1">
               <a:rPr lang="hu-HU" smtClean="0"/>
-              <a:t>2018. 12. 01.</a:t>
+              <a:t>2018. 12. 02.</a:t>
             </a:fld>
             <a:endParaRPr lang="hu-HU" dirty="0"/>
           </a:p>
@@ -8162,7 +8359,7 @@
             <a:pPr rtl="0"/>
             <a:fld id="{B4AE944E-BC79-4769-BF5B-CCB870D061FF}" type="datetime1">
               <a:rPr lang="hu-HU" smtClean="0"/>
-              <a:t>2018. 12. 01.</a:t>
+              <a:t>2018. 12. 02.</a:t>
             </a:fld>
             <a:endParaRPr lang="hu-HU" dirty="0"/>
           </a:p>
@@ -10098,7 +10295,7 @@
             <a:pPr rtl="0"/>
             <a:fld id="{07F8E97A-3FF0-40BC-B232-D62054A5543D}" type="datetime1">
               <a:rPr lang="hu-HU" smtClean="0"/>
-              <a:t>2018. 12. 01.</a:t>
+              <a:t>2018. 12. 02.</a:t>
             </a:fld>
             <a:endParaRPr lang="hu-HU" dirty="0"/>
           </a:p>
@@ -12360,7 +12557,7 @@
             <a:pPr rtl="0"/>
             <a:fld id="{C88DCDCC-70BF-492C-9874-FBC34FFC67B9}" type="datetime1">
               <a:rPr lang="hu-HU" smtClean="0"/>
-              <a:t>2018. 12. 01.</a:t>
+              <a:t>2018. 12. 02.</a:t>
             </a:fld>
             <a:endParaRPr lang="hu-HU" dirty="0"/>
           </a:p>
@@ -16660,7 +16857,7 @@
             <a:pPr rtl="0"/>
             <a:fld id="{6DAFAA07-B4F7-407C-99E9-D28DA8B979D5}" type="datetime1">
               <a:rPr lang="hu-HU" smtClean="0"/>
-              <a:t>2018. 12. 01.</a:t>
+              <a:t>2018. 12. 02.</a:t>
             </a:fld>
             <a:endParaRPr lang="hu-HU" dirty="0"/>
           </a:p>
@@ -19557,8 +19754,8 @@
         </p:nvSpPr>
         <p:spPr>
           <a:xfrm>
-            <a:off x="337351" y="1478872"/>
-            <a:ext cx="4768626" cy="3900256"/>
+            <a:off x="337351" y="1478871"/>
+            <a:ext cx="4768626" cy="4134203"/>
           </a:xfrm>
         </p:spPr>
         <p:txBody>
@@ -19611,6 +19808,25 @@
             <a:r>
               <a:rPr lang="en-US" sz="2800" dirty="0"/>
               <a:t>, ha van Docker Engine</a:t>
+            </a:r>
+          </a:p>
+          <a:p>
+            <a:pPr rtl="0"/>
+            <a:r>
+              <a:rPr lang="en-US" sz="2800" dirty="0" err="1"/>
+              <a:t>Portábilis</a:t>
+            </a:r>
+            <a:r>
+              <a:rPr lang="en-US" sz="2800" dirty="0"/>
+              <a:t> </a:t>
+            </a:r>
+            <a:r>
+              <a:rPr lang="en-US" sz="2800" dirty="0" err="1"/>
+              <a:t>alkalmazás</a:t>
+            </a:r>
+            <a:r>
+              <a:rPr lang="en-US" sz="2800" dirty="0"/>
+              <a:t> bundle</a:t>
             </a:r>
           </a:p>
           <a:p>
@@ -19653,8 +19869,8 @@
         </p:blipFill>
         <p:spPr>
           <a:xfrm>
-            <a:off x="11149137" y="255825"/>
-            <a:ext cx="808831" cy="690876"/>
+            <a:off x="10807700" y="129678"/>
+            <a:ext cx="1313905" cy="1122294"/>
           </a:xfrm>
           <a:prstGeom prst="rect">
             <a:avLst/>
@@ -19741,7 +19957,7 @@
         </p:nvSpPr>
         <p:spPr>
           <a:xfrm>
-            <a:off x="896645" y="5156628"/>
+            <a:off x="807745" y="6044875"/>
             <a:ext cx="10252492" cy="707886"/>
           </a:xfrm>
           <a:prstGeom prst="rect">
@@ -19867,7 +20083,7 @@
         </p:nvSpPr>
         <p:spPr>
           <a:xfrm>
-            <a:off x="896645" y="4684166"/>
+            <a:off x="807745" y="5573398"/>
             <a:ext cx="2201662" cy="461665"/>
           </a:xfrm>
           <a:prstGeom prst="rect">
@@ -19992,7 +20208,7 @@
           <p:nvPr/>
         </p:nvPicPr>
         <p:blipFill>
-          <a:blip r:embed="rId2"/>
+          <a:blip r:embed="rId3"/>
           <a:stretch>
             <a:fillRect/>
           </a:stretch>
@@ -20022,7 +20238,7 @@
           <p:nvPr/>
         </p:nvPicPr>
         <p:blipFill>
-          <a:blip r:embed="rId3"/>
+          <a:blip r:embed="rId4"/>
           <a:stretch>
             <a:fillRect/>
           </a:stretch>
@@ -20624,6 +20840,124 @@
           </a:p>
         </p:txBody>
       </p:sp>
+      <p:sp>
+        <p:nvSpPr>
+          <p:cNvPr id="10" name="Beszédbuborék: lekerekített sarkú téglalap 9">
+            <a:extLst>
+              <a:ext uri="{FF2B5EF4-FFF2-40B4-BE49-F238E27FC236}">
+                <a16:creationId xmlns:a16="http://schemas.microsoft.com/office/drawing/2014/main" id="{E0F31729-57EB-4158-B059-B9F1A483B97B}"/>
+              </a:ext>
+            </a:extLst>
+          </p:cNvPr>
+          <p:cNvSpPr/>
+          <p:nvPr/>
+        </p:nvSpPr>
+        <p:spPr>
+          <a:xfrm>
+            <a:off x="9740900" y="1374598"/>
+            <a:ext cx="2015847" cy="604103"/>
+          </a:xfrm>
+          <a:prstGeom prst="wedgeRoundRectCallout">
+            <a:avLst/>
+          </a:prstGeom>
+          <a:solidFill>
+            <a:srgbClr val="FF0000">
+              <a:alpha val="52157"/>
+            </a:srgbClr>
+          </a:solidFill>
+          <a:ln w="28575"/>
+        </p:spPr>
+        <p:style>
+          <a:lnRef idx="2">
+            <a:schemeClr val="accent1">
+              <a:shade val="50000"/>
+            </a:schemeClr>
+          </a:lnRef>
+          <a:fillRef idx="1">
+            <a:schemeClr val="accent1"/>
+          </a:fillRef>
+          <a:effectRef idx="0">
+            <a:schemeClr val="accent1"/>
+          </a:effectRef>
+          <a:fontRef idx="minor">
+            <a:schemeClr val="lt1"/>
+          </a:fontRef>
+        </p:style>
+        <p:txBody>
+          <a:bodyPr rtlCol="0" anchor="ctr"/>
+          <a:lstStyle/>
+          <a:p>
+            <a:pPr algn="ctr"/>
+            <a:r>
+              <a:rPr lang="en-US" sz="2400" dirty="0">
+                <a:solidFill>
+                  <a:schemeClr val="accent3">
+                    <a:lumMod val="50000"/>
+                  </a:schemeClr>
+                </a:solidFill>
+              </a:rPr>
+              <a:t>Boot </a:t>
+            </a:r>
+            <a:r>
+              <a:rPr lang="en-US" sz="2400" dirty="0" err="1">
+                <a:solidFill>
+                  <a:schemeClr val="accent3">
+                    <a:lumMod val="50000"/>
+                  </a:schemeClr>
+                </a:solidFill>
+              </a:rPr>
+              <a:t>idő</a:t>
+            </a:r>
+            <a:r>
+              <a:rPr lang="en-US" sz="2400" dirty="0">
+                <a:solidFill>
+                  <a:schemeClr val="accent3">
+                    <a:lumMod val="50000"/>
+                  </a:schemeClr>
+                </a:solidFill>
+              </a:rPr>
+              <a:t>?</a:t>
+            </a:r>
+            <a:endParaRPr lang="hu-HU" sz="2400" dirty="0">
+              <a:solidFill>
+                <a:schemeClr val="accent3">
+                  <a:lumMod val="50000"/>
+                </a:schemeClr>
+              </a:solidFill>
+            </a:endParaRPr>
+          </a:p>
+        </p:txBody>
+      </p:sp>
+      <p:pic>
+        <p:nvPicPr>
+          <p:cNvPr id="11" name="Kép 10">
+            <a:extLst>
+              <a:ext uri="{FF2B5EF4-FFF2-40B4-BE49-F238E27FC236}">
+                <a16:creationId xmlns:a16="http://schemas.microsoft.com/office/drawing/2014/main" id="{0533B8D9-5E66-4489-8D04-BCF94F0854BF}"/>
+              </a:ext>
+            </a:extLst>
+          </p:cNvPr>
+          <p:cNvPicPr>
+            <a:picLocks noChangeAspect="1"/>
+          </p:cNvPicPr>
+          <p:nvPr/>
+        </p:nvPicPr>
+        <p:blipFill>
+          <a:blip r:embed="rId5"/>
+          <a:stretch>
+            <a:fillRect/>
+          </a:stretch>
+        </p:blipFill>
+        <p:spPr>
+          <a:xfrm>
+            <a:off x="10807700" y="129678"/>
+            <a:ext cx="1313905" cy="1122294"/>
+          </a:xfrm>
+          <a:prstGeom prst="rect">
+            <a:avLst/>
+          </a:prstGeom>
+        </p:spPr>
+      </p:pic>
     </p:spTree>
     <p:extLst>
       <p:ext uri="{BB962C8B-B14F-4D97-AF65-F5344CB8AC3E}">
@@ -20646,176 +20980,6 @@
       </p:transition>
     </mc:Fallback>
   </mc:AlternateContent>
-  <p:timing>
-    <p:tnLst>
-      <p:par>
-        <p:cTn id="1" dur="indefinite" restart="never" nodeType="tmRoot">
-          <p:childTnLst>
-            <p:seq concurrent="1" nextAc="seek">
-              <p:cTn id="2" dur="indefinite" nodeType="mainSeq">
-                <p:childTnLst>
-                  <p:par>
-                    <p:cTn id="3" fill="hold">
-                      <p:stCondLst>
-                        <p:cond delay="indefinite"/>
-                      </p:stCondLst>
-                      <p:childTnLst>
-                        <p:par>
-                          <p:cTn id="4" fill="hold">
-                            <p:stCondLst>
-                              <p:cond delay="0"/>
-                            </p:stCondLst>
-                            <p:childTnLst>
-                              <p:par>
-                                <p:cTn id="5" presetID="1" presetClass="entr" presetSubtype="0" fill="hold" grpId="0" nodeType="clickEffect">
-                                  <p:stCondLst>
-                                    <p:cond delay="0"/>
-                                  </p:stCondLst>
-                                  <p:childTnLst>
-                                    <p:set>
-                                      <p:cBhvr>
-                                        <p:cTn id="6" dur="1" fill="hold">
-                                          <p:stCondLst>
-                                            <p:cond delay="0"/>
-                                          </p:stCondLst>
-                                        </p:cTn>
-                                        <p:tgtEl>
-                                          <p:spTgt spid="21"/>
-                                        </p:tgtEl>
-                                        <p:attrNameLst>
-                                          <p:attrName>style.visibility</p:attrName>
-                                        </p:attrNameLst>
-                                      </p:cBhvr>
-                                      <p:to>
-                                        <p:strVal val="visible"/>
-                                      </p:to>
-                                    </p:set>
-                                  </p:childTnLst>
-                                </p:cTn>
-                              </p:par>
-                            </p:childTnLst>
-                          </p:cTn>
-                        </p:par>
-                      </p:childTnLst>
-                    </p:cTn>
-                  </p:par>
-                  <p:par>
-                    <p:cTn id="7" fill="hold">
-                      <p:stCondLst>
-                        <p:cond delay="indefinite"/>
-                      </p:stCondLst>
-                      <p:childTnLst>
-                        <p:par>
-                          <p:cTn id="8" fill="hold">
-                            <p:stCondLst>
-                              <p:cond delay="0"/>
-                            </p:stCondLst>
-                            <p:childTnLst>
-                              <p:par>
-                                <p:cTn id="9" presetID="1" presetClass="entr" presetSubtype="0" fill="hold" grpId="0" nodeType="clickEffect">
-                                  <p:stCondLst>
-                                    <p:cond delay="0"/>
-                                  </p:stCondLst>
-                                  <p:childTnLst>
-                                    <p:set>
-                                      <p:cBhvr>
-                                        <p:cTn id="10" dur="1" fill="hold">
-                                          <p:stCondLst>
-                                            <p:cond delay="0"/>
-                                          </p:stCondLst>
-                                        </p:cTn>
-                                        <p:tgtEl>
-                                          <p:spTgt spid="19"/>
-                                        </p:tgtEl>
-                                        <p:attrNameLst>
-                                          <p:attrName>style.visibility</p:attrName>
-                                        </p:attrNameLst>
-                                      </p:cBhvr>
-                                      <p:to>
-                                        <p:strVal val="visible"/>
-                                      </p:to>
-                                    </p:set>
-                                  </p:childTnLst>
-                                </p:cTn>
-                              </p:par>
-                            </p:childTnLst>
-                          </p:cTn>
-                        </p:par>
-                      </p:childTnLst>
-                    </p:cTn>
-                  </p:par>
-                  <p:par>
-                    <p:cTn id="11" fill="hold">
-                      <p:stCondLst>
-                        <p:cond delay="indefinite"/>
-                      </p:stCondLst>
-                      <p:childTnLst>
-                        <p:par>
-                          <p:cTn id="12" fill="hold">
-                            <p:stCondLst>
-                              <p:cond delay="0"/>
-                            </p:stCondLst>
-                            <p:childTnLst>
-                              <p:par>
-                                <p:cTn id="13" presetID="1" presetClass="entr" presetSubtype="0" fill="hold" grpId="0" nodeType="clickEffect">
-                                  <p:stCondLst>
-                                    <p:cond delay="0"/>
-                                  </p:stCondLst>
-                                  <p:childTnLst>
-                                    <p:set>
-                                      <p:cBhvr>
-                                        <p:cTn id="14" dur="1" fill="hold">
-                                          <p:stCondLst>
-                                            <p:cond delay="0"/>
-                                          </p:stCondLst>
-                                        </p:cTn>
-                                        <p:tgtEl>
-                                          <p:spTgt spid="20"/>
-                                        </p:tgtEl>
-                                        <p:attrNameLst>
-                                          <p:attrName>style.visibility</p:attrName>
-                                        </p:attrNameLst>
-                                      </p:cBhvr>
-                                      <p:to>
-                                        <p:strVal val="visible"/>
-                                      </p:to>
-                                    </p:set>
-                                  </p:childTnLst>
-                                </p:cTn>
-                              </p:par>
-                            </p:childTnLst>
-                          </p:cTn>
-                        </p:par>
-                      </p:childTnLst>
-                    </p:cTn>
-                  </p:par>
-                </p:childTnLst>
-              </p:cTn>
-              <p:prevCondLst>
-                <p:cond evt="onPrev" delay="0">
-                  <p:tgtEl>
-                    <p:sldTgt/>
-                  </p:tgtEl>
-                </p:cond>
-              </p:prevCondLst>
-              <p:nextCondLst>
-                <p:cond evt="onNext" delay="0">
-                  <p:tgtEl>
-                    <p:sldTgt/>
-                  </p:tgtEl>
-                </p:cond>
-              </p:nextCondLst>
-            </p:seq>
-          </p:childTnLst>
-        </p:cTn>
-      </p:par>
-    </p:tnLst>
-    <p:bldLst>
-      <p:bldP spid="19" grpId="0" animBg="1"/>
-      <p:bldP spid="20" grpId="0" animBg="1"/>
-      <p:bldP spid="21" grpId="0" animBg="1"/>
-    </p:bldLst>
-  </p:timing>
 </p:sld>
 </file>
 
@@ -22007,6 +22171,431 @@
           </a:fontRef>
         </p:style>
       </p:cxnSp>
+      <p:sp>
+        <p:nvSpPr>
+          <p:cNvPr id="15" name="Szövegdoboz 14">
+            <a:extLst>
+              <a:ext uri="{FF2B5EF4-FFF2-40B4-BE49-F238E27FC236}">
+                <a16:creationId xmlns:a16="http://schemas.microsoft.com/office/drawing/2014/main" id="{B0A6B22A-4562-461F-9E07-5E264002FB7A}"/>
+              </a:ext>
+            </a:extLst>
+          </p:cNvPr>
+          <p:cNvSpPr txBox="1"/>
+          <p:nvPr/>
+        </p:nvSpPr>
+        <p:spPr>
+          <a:xfrm>
+            <a:off x="694266" y="6299846"/>
+            <a:ext cx="10803467" cy="400110"/>
+          </a:xfrm>
+          <a:prstGeom prst="rect">
+            <a:avLst/>
+          </a:prstGeom>
+          <a:solidFill>
+            <a:schemeClr val="tx2">
+              <a:lumMod val="75000"/>
+              <a:lumOff val="25000"/>
+            </a:schemeClr>
+          </a:solidFill>
+        </p:spPr>
+        <p:txBody>
+          <a:bodyPr wrap="square" rtlCol="0">
+            <a:spAutoFit/>
+          </a:bodyPr>
+          <a:lstStyle/>
+          <a:p>
+            <a:r>
+              <a:rPr lang="en-US" sz="2000" dirty="0" err="1">
+                <a:solidFill>
+                  <a:schemeClr val="bg2"/>
+                </a:solidFill>
+                <a:latin typeface="Courier New" panose="02070309020205020404" pitchFamily="49" charset="0"/>
+                <a:cs typeface="Courier New" panose="02070309020205020404" pitchFamily="49" charset="0"/>
+              </a:rPr>
+              <a:t>kubectl</a:t>
+            </a:r>
+            <a:r>
+              <a:rPr lang="en-US" sz="2000" dirty="0">
+                <a:solidFill>
+                  <a:schemeClr val="bg2"/>
+                </a:solidFill>
+                <a:latin typeface="Courier New" panose="02070309020205020404" pitchFamily="49" charset="0"/>
+                <a:cs typeface="Courier New" panose="02070309020205020404" pitchFamily="49" charset="0"/>
+              </a:rPr>
+              <a:t> run --image=rest-hello </a:t>
+            </a:r>
+            <a:r>
+              <a:rPr lang="en-US" sz="2000" dirty="0" err="1">
+                <a:solidFill>
+                  <a:schemeClr val="bg2"/>
+                </a:solidFill>
+                <a:latin typeface="Courier New" panose="02070309020205020404" pitchFamily="49" charset="0"/>
+                <a:cs typeface="Courier New" panose="02070309020205020404" pitchFamily="49" charset="0"/>
+              </a:rPr>
+              <a:t>morova</a:t>
+            </a:r>
+            <a:r>
+              <a:rPr lang="en-US" sz="2000" dirty="0">
+                <a:solidFill>
+                  <a:schemeClr val="bg2"/>
+                </a:solidFill>
+                <a:latin typeface="Courier New" panose="02070309020205020404" pitchFamily="49" charset="0"/>
+                <a:cs typeface="Courier New" panose="02070309020205020404" pitchFamily="49" charset="0"/>
+              </a:rPr>
+              <a:t>/</a:t>
+            </a:r>
+            <a:r>
+              <a:rPr lang="en-US" sz="2000" dirty="0" err="1">
+                <a:solidFill>
+                  <a:schemeClr val="bg2"/>
+                </a:solidFill>
+                <a:latin typeface="Courier New" panose="02070309020205020404" pitchFamily="49" charset="0"/>
+                <a:cs typeface="Courier New" panose="02070309020205020404" pitchFamily="49" charset="0"/>
+              </a:rPr>
+              <a:t>rest-hello:latest</a:t>
+            </a:r>
+            <a:r>
+              <a:rPr lang="en-US" sz="2000" dirty="0">
+                <a:solidFill>
+                  <a:schemeClr val="bg2"/>
+                </a:solidFill>
+                <a:latin typeface="Courier New" panose="02070309020205020404" pitchFamily="49" charset="0"/>
+                <a:cs typeface="Courier New" panose="02070309020205020404" pitchFamily="49" charset="0"/>
+              </a:rPr>
+              <a:t> --port=8080</a:t>
+            </a:r>
+          </a:p>
+        </p:txBody>
+      </p:sp>
+      <p:sp>
+        <p:nvSpPr>
+          <p:cNvPr id="3" name="Beszédbuborék: lekerekített sarkú téglalap 2">
+            <a:extLst>
+              <a:ext uri="{FF2B5EF4-FFF2-40B4-BE49-F238E27FC236}">
+                <a16:creationId xmlns:a16="http://schemas.microsoft.com/office/drawing/2014/main" id="{A80E0CEC-FA22-4533-BD79-6B13C1675DA0}"/>
+              </a:ext>
+            </a:extLst>
+          </p:cNvPr>
+          <p:cNvSpPr/>
+          <p:nvPr/>
+        </p:nvSpPr>
+        <p:spPr>
+          <a:xfrm rot="16200000" flipH="1" flipV="1">
+            <a:off x="7134258" y="-985516"/>
+            <a:ext cx="2862873" cy="6350524"/>
+          </a:xfrm>
+          <a:prstGeom prst="wedgeRoundRectCallout">
+            <a:avLst/>
+          </a:prstGeom>
+          <a:solidFill>
+            <a:srgbClr val="0070C0">
+              <a:alpha val="94118"/>
+            </a:srgbClr>
+          </a:solidFill>
+          <a:ln w="38100">
+            <a:solidFill>
+              <a:srgbClr val="0070C0"/>
+            </a:solidFill>
+          </a:ln>
+        </p:spPr>
+        <p:style>
+          <a:lnRef idx="2">
+            <a:schemeClr val="accent1">
+              <a:shade val="50000"/>
+            </a:schemeClr>
+          </a:lnRef>
+          <a:fillRef idx="1">
+            <a:schemeClr val="accent1"/>
+          </a:fillRef>
+          <a:effectRef idx="0">
+            <a:schemeClr val="accent1"/>
+          </a:effectRef>
+          <a:fontRef idx="minor">
+            <a:schemeClr val="lt1"/>
+          </a:fontRef>
+        </p:style>
+        <p:txBody>
+          <a:bodyPr rtlCol="0" anchor="ctr"/>
+          <a:lstStyle/>
+          <a:p>
+            <a:pPr algn="ctr"/>
+            <a:endParaRPr lang="hu-HU" dirty="0"/>
+          </a:p>
+        </p:txBody>
+      </p:sp>
+      <p:sp>
+        <p:nvSpPr>
+          <p:cNvPr id="5" name="Szövegdoboz 4">
+            <a:extLst>
+              <a:ext uri="{FF2B5EF4-FFF2-40B4-BE49-F238E27FC236}">
+                <a16:creationId xmlns:a16="http://schemas.microsoft.com/office/drawing/2014/main" id="{F52F3148-A733-4977-90FE-D8B9ED5CF0F5}"/>
+              </a:ext>
+            </a:extLst>
+          </p:cNvPr>
+          <p:cNvSpPr txBox="1"/>
+          <p:nvPr/>
+        </p:nvSpPr>
+        <p:spPr>
+          <a:xfrm>
+            <a:off x="5458850" y="893845"/>
+            <a:ext cx="5976068" cy="2677656"/>
+          </a:xfrm>
+          <a:prstGeom prst="rect">
+            <a:avLst/>
+          </a:prstGeom>
+          <a:noFill/>
+        </p:spPr>
+        <p:txBody>
+          <a:bodyPr wrap="square" rtlCol="0">
+            <a:spAutoFit/>
+          </a:bodyPr>
+          <a:lstStyle/>
+          <a:p>
+            <a:r>
+              <a:rPr lang="en-US" sz="2400" b="1" dirty="0"/>
+              <a:t>Pod</a:t>
+            </a:r>
+          </a:p>
+          <a:p>
+            <a:pPr marL="342900" indent="-342900">
+              <a:buFont typeface="Arial" panose="020B0604020202020204" pitchFamily="34" charset="0"/>
+              <a:buChar char="•"/>
+            </a:pPr>
+            <a:r>
+              <a:rPr lang="en-US" sz="2400" dirty="0"/>
+              <a:t>Deployment </a:t>
+            </a:r>
+            <a:r>
+              <a:rPr lang="en-US" sz="2400" dirty="0" err="1"/>
+              <a:t>alapegysége</a:t>
+            </a:r>
+            <a:endParaRPr lang="en-US" sz="2400" dirty="0"/>
+          </a:p>
+          <a:p>
+            <a:pPr marL="342900" indent="-342900">
+              <a:buFont typeface="Arial" panose="020B0604020202020204" pitchFamily="34" charset="0"/>
+              <a:buChar char="•"/>
+            </a:pPr>
+            <a:r>
+              <a:rPr lang="en-US" sz="2400" dirty="0" err="1"/>
+              <a:t>Logikai</a:t>
+            </a:r>
+            <a:r>
+              <a:rPr lang="en-US" sz="2400" dirty="0"/>
+              <a:t> host</a:t>
+            </a:r>
+          </a:p>
+          <a:p>
+            <a:pPr marL="342900" indent="-342900">
+              <a:buFont typeface="Arial" panose="020B0604020202020204" pitchFamily="34" charset="0"/>
+              <a:buChar char="•"/>
+            </a:pPr>
+            <a:r>
+              <a:rPr lang="en-US" sz="2400" dirty="0" err="1"/>
+              <a:t>Szorosan</a:t>
+            </a:r>
+            <a:r>
+              <a:rPr lang="en-US" sz="2400" dirty="0"/>
+              <a:t> </a:t>
+            </a:r>
+            <a:r>
+              <a:rPr lang="en-US" sz="2400" dirty="0" err="1"/>
+              <a:t>kapcsolódó</a:t>
+            </a:r>
+            <a:r>
+              <a:rPr lang="en-US" sz="2400" dirty="0"/>
+              <a:t> </a:t>
+            </a:r>
+            <a:r>
+              <a:rPr lang="en-US" sz="2400" dirty="0" err="1"/>
+              <a:t>konténerek</a:t>
+            </a:r>
+            <a:endParaRPr lang="en-US" sz="2400" dirty="0"/>
+          </a:p>
+          <a:p>
+            <a:pPr marL="800100" lvl="1" indent="-342900">
+              <a:buFont typeface="Arial" panose="020B0604020202020204" pitchFamily="34" charset="0"/>
+              <a:buChar char="•"/>
+            </a:pPr>
+            <a:r>
+              <a:rPr lang="en-US" sz="2400" dirty="0" err="1"/>
+              <a:t>Közös</a:t>
+            </a:r>
+            <a:r>
+              <a:rPr lang="en-US" sz="2400" dirty="0"/>
+              <a:t> IP </a:t>
+            </a:r>
+            <a:r>
+              <a:rPr lang="en-US" sz="2400" dirty="0" err="1"/>
+              <a:t>és</a:t>
+            </a:r>
+            <a:r>
+              <a:rPr lang="en-US" sz="2400" dirty="0"/>
+              <a:t> </a:t>
+            </a:r>
+            <a:r>
+              <a:rPr lang="en-US" sz="2400" dirty="0" err="1"/>
+              <a:t>tárhely</a:t>
+            </a:r>
+            <a:endParaRPr lang="en-US" sz="2400" dirty="0"/>
+          </a:p>
+          <a:p>
+            <a:pPr marL="342900" indent="-342900">
+              <a:buFont typeface="Arial" panose="020B0604020202020204" pitchFamily="34" charset="0"/>
+              <a:buChar char="•"/>
+            </a:pPr>
+            <a:r>
+              <a:rPr lang="en-US" sz="2400" dirty="0" err="1"/>
+              <a:t>Dinamikus</a:t>
+            </a:r>
+            <a:r>
+              <a:rPr lang="en-US" sz="2400" dirty="0"/>
+              <a:t> </a:t>
+            </a:r>
+            <a:r>
+              <a:rPr lang="en-US" sz="2400" dirty="0" err="1"/>
+              <a:t>életciklus</a:t>
+            </a:r>
+            <a:r>
+              <a:rPr lang="en-US" sz="2400" dirty="0"/>
+              <a:t> (ephemeral)</a:t>
+            </a:r>
+          </a:p>
+          <a:p>
+            <a:pPr marL="800100" lvl="1" indent="-342900">
+              <a:buFont typeface="Arial" panose="020B0604020202020204" pitchFamily="34" charset="0"/>
+              <a:buChar char="•"/>
+            </a:pPr>
+            <a:endParaRPr lang="hu-HU" sz="2400" dirty="0"/>
+          </a:p>
+        </p:txBody>
+      </p:sp>
+      <p:sp>
+        <p:nvSpPr>
+          <p:cNvPr id="18" name="Beszédbuborék: lekerekített sarkú téglalap 17">
+            <a:extLst>
+              <a:ext uri="{FF2B5EF4-FFF2-40B4-BE49-F238E27FC236}">
+                <a16:creationId xmlns:a16="http://schemas.microsoft.com/office/drawing/2014/main" id="{86200E81-5EB6-41BE-A343-6A1920E4F540}"/>
+              </a:ext>
+            </a:extLst>
+          </p:cNvPr>
+          <p:cNvSpPr/>
+          <p:nvPr/>
+        </p:nvSpPr>
+        <p:spPr>
+          <a:xfrm rot="16200000" flipH="1" flipV="1">
+            <a:off x="6815914" y="3100678"/>
+            <a:ext cx="1576386" cy="3525266"/>
+          </a:xfrm>
+          <a:prstGeom prst="wedgeRoundRectCallout">
+            <a:avLst/>
+          </a:prstGeom>
+          <a:solidFill>
+            <a:srgbClr val="0070C0">
+              <a:alpha val="94118"/>
+            </a:srgbClr>
+          </a:solidFill>
+          <a:ln w="38100">
+            <a:solidFill>
+              <a:srgbClr val="0070C0"/>
+            </a:solidFill>
+          </a:ln>
+        </p:spPr>
+        <p:style>
+          <a:lnRef idx="2">
+            <a:schemeClr val="accent1">
+              <a:shade val="50000"/>
+            </a:schemeClr>
+          </a:lnRef>
+          <a:fillRef idx="1">
+            <a:schemeClr val="accent1"/>
+          </a:fillRef>
+          <a:effectRef idx="0">
+            <a:schemeClr val="accent1"/>
+          </a:effectRef>
+          <a:fontRef idx="minor">
+            <a:schemeClr val="lt1"/>
+          </a:fontRef>
+        </p:style>
+        <p:txBody>
+          <a:bodyPr rtlCol="0" anchor="ctr"/>
+          <a:lstStyle/>
+          <a:p>
+            <a:pPr algn="ctr"/>
+            <a:endParaRPr lang="hu-HU" dirty="0"/>
+          </a:p>
+        </p:txBody>
+      </p:sp>
+      <p:sp>
+        <p:nvSpPr>
+          <p:cNvPr id="7" name="Szövegdoboz 6">
+            <a:extLst>
+              <a:ext uri="{FF2B5EF4-FFF2-40B4-BE49-F238E27FC236}">
+                <a16:creationId xmlns:a16="http://schemas.microsoft.com/office/drawing/2014/main" id="{F7A08E34-A7F0-45F6-A3E2-D474B554BC4C}"/>
+              </a:ext>
+            </a:extLst>
+          </p:cNvPr>
+          <p:cNvSpPr txBox="1"/>
+          <p:nvPr/>
+        </p:nvSpPr>
+        <p:spPr>
+          <a:xfrm>
+            <a:off x="5943599" y="4308344"/>
+            <a:ext cx="3365501" cy="1200329"/>
+          </a:xfrm>
+          <a:prstGeom prst="rect">
+            <a:avLst/>
+          </a:prstGeom>
+          <a:noFill/>
+        </p:spPr>
+        <p:txBody>
+          <a:bodyPr wrap="square" rtlCol="0">
+            <a:spAutoFit/>
+          </a:bodyPr>
+          <a:lstStyle/>
+          <a:p>
+            <a:r>
+              <a:rPr lang="en-US" sz="2400" b="1" dirty="0"/>
+              <a:t>Node</a:t>
+            </a:r>
+            <a:endParaRPr lang="en-US" sz="2400" dirty="0"/>
+          </a:p>
+          <a:p>
+            <a:pPr marL="342900" indent="-342900">
+              <a:buFont typeface="Arial" panose="020B0604020202020204" pitchFamily="34" charset="0"/>
+              <a:buChar char="•"/>
+            </a:pPr>
+            <a:r>
+              <a:rPr lang="en-US" sz="2400" b="1" dirty="0"/>
+              <a:t>VM / </a:t>
+            </a:r>
+            <a:r>
+              <a:rPr lang="en-US" sz="2400" b="1" dirty="0" err="1"/>
+              <a:t>fizikai</a:t>
+            </a:r>
+            <a:r>
+              <a:rPr lang="en-US" sz="2400" b="1" dirty="0"/>
+              <a:t> </a:t>
+            </a:r>
+            <a:r>
+              <a:rPr lang="en-US" sz="2400" b="1" dirty="0" err="1"/>
+              <a:t>gép</a:t>
+            </a:r>
+            <a:endParaRPr lang="en-US" sz="2400" b="1" dirty="0"/>
+          </a:p>
+          <a:p>
+            <a:pPr marL="342900" indent="-342900">
+              <a:buFont typeface="Arial" panose="020B0604020202020204" pitchFamily="34" charset="0"/>
+              <a:buChar char="•"/>
+            </a:pPr>
+            <a:r>
+              <a:rPr lang="en-US" sz="2400" b="1" dirty="0"/>
+              <a:t>1..* pod</a:t>
+            </a:r>
+            <a:endParaRPr lang="hu-HU" sz="2400" b="1" dirty="0"/>
+          </a:p>
+        </p:txBody>
+      </p:sp>
     </p:spTree>
     <p:extLst>
       <p:ext uri="{BB962C8B-B14F-4D97-AF65-F5344CB8AC3E}">
@@ -22135,7 +22724,142 @@
                                           </p:stCondLst>
                                         </p:cTn>
                                         <p:tgtEl>
-                                          <p:spTgt spid="12"/>
+                                          <p:spTgt spid="14"/>
+                                        </p:tgtEl>
+                                        <p:attrNameLst>
+                                          <p:attrName>style.visibility</p:attrName>
+                                        </p:attrNameLst>
+                                      </p:cBhvr>
+                                      <p:to>
+                                        <p:strVal val="visible"/>
+                                      </p:to>
+                                    </p:set>
+                                  </p:childTnLst>
+                                </p:cTn>
+                              </p:par>
+                              <p:par>
+                                <p:cTn id="13" presetID="1" presetClass="entr" presetSubtype="0" fill="hold" nodeType="withEffect">
+                                  <p:stCondLst>
+                                    <p:cond delay="0"/>
+                                  </p:stCondLst>
+                                  <p:childTnLst>
+                                    <p:set>
+                                      <p:cBhvr>
+                                        <p:cTn id="14" dur="1" fill="hold">
+                                          <p:stCondLst>
+                                            <p:cond delay="0"/>
+                                          </p:stCondLst>
+                                        </p:cTn>
+                                        <p:tgtEl>
+                                          <p:spTgt spid="16"/>
+                                        </p:tgtEl>
+                                        <p:attrNameLst>
+                                          <p:attrName>style.visibility</p:attrName>
+                                        </p:attrNameLst>
+                                      </p:cBhvr>
+                                      <p:to>
+                                        <p:strVal val="visible"/>
+                                      </p:to>
+                                    </p:set>
+                                  </p:childTnLst>
+                                </p:cTn>
+                              </p:par>
+                              <p:par>
+                                <p:cTn id="15" presetID="1" presetClass="entr" presetSubtype="0" fill="hold" nodeType="withEffect">
+                                  <p:stCondLst>
+                                    <p:cond delay="0"/>
+                                  </p:stCondLst>
+                                  <p:childTnLst>
+                                    <p:set>
+                                      <p:cBhvr>
+                                        <p:cTn id="16" dur="1" fill="hold">
+                                          <p:stCondLst>
+                                            <p:cond delay="0"/>
+                                          </p:stCondLst>
+                                        </p:cTn>
+                                        <p:tgtEl>
+                                          <p:spTgt spid="17"/>
+                                        </p:tgtEl>
+                                        <p:attrNameLst>
+                                          <p:attrName>style.visibility</p:attrName>
+                                        </p:attrNameLst>
+                                      </p:cBhvr>
+                                      <p:to>
+                                        <p:strVal val="visible"/>
+                                      </p:to>
+                                    </p:set>
+                                  </p:childTnLst>
+                                </p:cTn>
+                              </p:par>
+                              <p:par>
+                                <p:cTn id="17" presetID="1" presetClass="entr" presetSubtype="0" fill="hold" grpId="0" nodeType="withEffect">
+                                  <p:stCondLst>
+                                    <p:cond delay="0"/>
+                                  </p:stCondLst>
+                                  <p:childTnLst>
+                                    <p:set>
+                                      <p:cBhvr>
+                                        <p:cTn id="18" dur="1" fill="hold">
+                                          <p:stCondLst>
+                                            <p:cond delay="0"/>
+                                          </p:stCondLst>
+                                        </p:cTn>
+                                        <p:tgtEl>
+                                          <p:spTgt spid="13"/>
+                                        </p:tgtEl>
+                                        <p:attrNameLst>
+                                          <p:attrName>style.visibility</p:attrName>
+                                        </p:attrNameLst>
+                                      </p:cBhvr>
+                                      <p:to>
+                                        <p:strVal val="visible"/>
+                                      </p:to>
+                                    </p:set>
+                                  </p:childTnLst>
+                                </p:cTn>
+                              </p:par>
+                              <p:par>
+                                <p:cTn id="19" presetID="1" presetClass="entr" presetSubtype="0" fill="hold" grpId="0" nodeType="withEffect">
+                                  <p:stCondLst>
+                                    <p:cond delay="0"/>
+                                  </p:stCondLst>
+                                  <p:childTnLst>
+                                    <p:set>
+                                      <p:cBhvr>
+                                        <p:cTn id="20" dur="1" fill="hold">
+                                          <p:stCondLst>
+                                            <p:cond delay="0"/>
+                                          </p:stCondLst>
+                                        </p:cTn>
+                                        <p:tgtEl>
+                                          <p:spTgt spid="18"/>
+                                        </p:tgtEl>
+                                        <p:attrNameLst>
+                                          <p:attrName>style.visibility</p:attrName>
+                                        </p:attrNameLst>
+                                      </p:cBhvr>
+                                      <p:to>
+                                        <p:strVal val="visible"/>
+                                      </p:to>
+                                    </p:set>
+                                  </p:childTnLst>
+                                </p:cTn>
+                              </p:par>
+                              <p:par>
+                                <p:cTn id="21" presetID="1" presetClass="entr" presetSubtype="0" fill="hold" grpId="0" nodeType="withEffect">
+                                  <p:stCondLst>
+                                    <p:cond delay="0"/>
+                                  </p:stCondLst>
+                                  <p:childTnLst>
+                                    <p:set>
+                                      <p:cBhvr>
+                                        <p:cTn id="22" dur="1" fill="hold">
+                                          <p:stCondLst>
+                                            <p:cond delay="0"/>
+                                          </p:stCondLst>
+                                        </p:cTn>
+                                        <p:tgtEl>
+                                          <p:spTgt spid="7"/>
                                         </p:tgtEl>
                                         <p:attrNameLst>
                                           <p:attrName>style.visibility</p:attrName>
@@ -22155,32 +22879,32 @@
                     </p:cTn>
                   </p:par>
                   <p:par>
-                    <p:cTn id="13" fill="hold">
+                    <p:cTn id="23" fill="hold">
                       <p:stCondLst>
                         <p:cond delay="indefinite"/>
                       </p:stCondLst>
                       <p:childTnLst>
                         <p:par>
-                          <p:cTn id="14" fill="hold">
+                          <p:cTn id="24" fill="hold">
                             <p:stCondLst>
                               <p:cond delay="0"/>
                             </p:stCondLst>
                             <p:childTnLst>
                               <p:par>
-                                <p:cTn id="15" presetID="1" presetClass="exit" presetSubtype="0" fill="hold" grpId="1" nodeType="clickEffect">
+                                <p:cTn id="25" presetID="1" presetClass="exit" presetSubtype="0" fill="hold" grpId="1" nodeType="clickEffect">
                                   <p:stCondLst>
                                     <p:cond delay="0"/>
                                   </p:stCondLst>
                                   <p:childTnLst>
                                     <p:set>
                                       <p:cBhvr>
-                                        <p:cTn id="16" dur="1" fill="hold">
+                                        <p:cTn id="26" dur="1" fill="hold">
                                           <p:stCondLst>
                                             <p:cond delay="0"/>
                                           </p:stCondLst>
                                         </p:cTn>
                                         <p:tgtEl>
-                                          <p:spTgt spid="12"/>
+                                          <p:spTgt spid="14"/>
                                         </p:tgtEl>
                                         <p:attrNameLst>
                                           <p:attrName>style.visibility</p:attrName>
@@ -22194,20 +22918,155 @@
                                 </p:cTn>
                               </p:par>
                               <p:par>
-                                <p:cTn id="17" presetID="1" presetClass="entr" presetSubtype="0" fill="hold" grpId="0" nodeType="withEffect">
+                                <p:cTn id="27" presetID="1" presetClass="exit" presetSubtype="0" fill="hold" nodeType="withEffect">
                                   <p:stCondLst>
                                     <p:cond delay="0"/>
                                   </p:stCondLst>
                                   <p:childTnLst>
                                     <p:set>
                                       <p:cBhvr>
-                                        <p:cTn id="18" dur="1" fill="hold">
+                                        <p:cTn id="28" dur="1" fill="hold">
                                           <p:stCondLst>
                                             <p:cond delay="0"/>
                                           </p:stCondLst>
                                         </p:cTn>
                                         <p:tgtEl>
-                                          <p:spTgt spid="14"/>
+                                          <p:spTgt spid="16"/>
+                                        </p:tgtEl>
+                                        <p:attrNameLst>
+                                          <p:attrName>style.visibility</p:attrName>
+                                        </p:attrNameLst>
+                                      </p:cBhvr>
+                                      <p:to>
+                                        <p:strVal val="hidden"/>
+                                      </p:to>
+                                    </p:set>
+                                  </p:childTnLst>
+                                </p:cTn>
+                              </p:par>
+                              <p:par>
+                                <p:cTn id="29" presetID="1" presetClass="exit" presetSubtype="0" fill="hold" nodeType="withEffect">
+                                  <p:stCondLst>
+                                    <p:cond delay="0"/>
+                                  </p:stCondLst>
+                                  <p:childTnLst>
+                                    <p:set>
+                                      <p:cBhvr>
+                                        <p:cTn id="30" dur="1" fill="hold">
+                                          <p:stCondLst>
+                                            <p:cond delay="0"/>
+                                          </p:stCondLst>
+                                        </p:cTn>
+                                        <p:tgtEl>
+                                          <p:spTgt spid="17"/>
+                                        </p:tgtEl>
+                                        <p:attrNameLst>
+                                          <p:attrName>style.visibility</p:attrName>
+                                        </p:attrNameLst>
+                                      </p:cBhvr>
+                                      <p:to>
+                                        <p:strVal val="hidden"/>
+                                      </p:to>
+                                    </p:set>
+                                  </p:childTnLst>
+                                </p:cTn>
+                              </p:par>
+                              <p:par>
+                                <p:cTn id="31" presetID="1" presetClass="exit" presetSubtype="0" fill="hold" grpId="1" nodeType="withEffect">
+                                  <p:stCondLst>
+                                    <p:cond delay="0"/>
+                                  </p:stCondLst>
+                                  <p:childTnLst>
+                                    <p:set>
+                                      <p:cBhvr>
+                                        <p:cTn id="32" dur="1" fill="hold">
+                                          <p:stCondLst>
+                                            <p:cond delay="0"/>
+                                          </p:stCondLst>
+                                        </p:cTn>
+                                        <p:tgtEl>
+                                          <p:spTgt spid="13"/>
+                                        </p:tgtEl>
+                                        <p:attrNameLst>
+                                          <p:attrName>style.visibility</p:attrName>
+                                        </p:attrNameLst>
+                                      </p:cBhvr>
+                                      <p:to>
+                                        <p:strVal val="hidden"/>
+                                      </p:to>
+                                    </p:set>
+                                  </p:childTnLst>
+                                </p:cTn>
+                              </p:par>
+                              <p:par>
+                                <p:cTn id="33" presetID="1" presetClass="exit" presetSubtype="0" fill="hold" grpId="1" nodeType="withEffect">
+                                  <p:stCondLst>
+                                    <p:cond delay="0"/>
+                                  </p:stCondLst>
+                                  <p:childTnLst>
+                                    <p:set>
+                                      <p:cBhvr>
+                                        <p:cTn id="34" dur="1" fill="hold">
+                                          <p:stCondLst>
+                                            <p:cond delay="0"/>
+                                          </p:stCondLst>
+                                        </p:cTn>
+                                        <p:tgtEl>
+                                          <p:spTgt spid="18"/>
+                                        </p:tgtEl>
+                                        <p:attrNameLst>
+                                          <p:attrName>style.visibility</p:attrName>
+                                        </p:attrNameLst>
+                                      </p:cBhvr>
+                                      <p:to>
+                                        <p:strVal val="hidden"/>
+                                      </p:to>
+                                    </p:set>
+                                  </p:childTnLst>
+                                </p:cTn>
+                              </p:par>
+                              <p:par>
+                                <p:cTn id="35" presetID="1" presetClass="exit" presetSubtype="0" fill="hold" grpId="1" nodeType="withEffect">
+                                  <p:stCondLst>
+                                    <p:cond delay="0"/>
+                                  </p:stCondLst>
+                                  <p:childTnLst>
+                                    <p:set>
+                                      <p:cBhvr>
+                                        <p:cTn id="36" dur="1" fill="hold">
+                                          <p:stCondLst>
+                                            <p:cond delay="0"/>
+                                          </p:stCondLst>
+                                        </p:cTn>
+                                        <p:tgtEl>
+                                          <p:spTgt spid="7"/>
+                                        </p:tgtEl>
+                                        <p:attrNameLst>
+                                          <p:attrName>style.visibility</p:attrName>
+                                        </p:attrNameLst>
+                                      </p:cBhvr>
+                                      <p:to>
+                                        <p:strVal val="hidden"/>
+                                      </p:to>
+                                    </p:set>
+                                  </p:childTnLst>
+                                </p:cTn>
+                              </p:par>
+                              <p:par>
+                                <p:cTn id="37" presetID="1" presetClass="entr" presetSubtype="0" fill="hold" grpId="0" nodeType="withEffect">
+                                  <p:stCondLst>
+                                    <p:cond delay="0"/>
+                                  </p:stCondLst>
+                                  <p:childTnLst>
+                                    <p:set>
+                                      <p:cBhvr>
+                                        <p:cTn id="38" dur="1" fill="hold">
+                                          <p:stCondLst>
+                                            <p:cond delay="0"/>
+                                          </p:stCondLst>
+                                        </p:cTn>
+                                        <p:tgtEl>
+                                          <p:spTgt spid="12"/>
                                         </p:tgtEl>
                                         <p:attrNameLst>
                                           <p:attrName>style.visibility</p:attrName>
@@ -22221,20 +23080,20 @@
                                 </p:cTn>
                               </p:par>
                               <p:par>
-                                <p:cTn id="19" presetID="1" presetClass="entr" presetSubtype="0" fill="hold" nodeType="withEffect">
+                                <p:cTn id="39" presetID="1" presetClass="entr" presetSubtype="0" fill="hold" grpId="0" nodeType="withEffect">
                                   <p:stCondLst>
                                     <p:cond delay="0"/>
                                   </p:stCondLst>
                                   <p:childTnLst>
                                     <p:set>
                                       <p:cBhvr>
-                                        <p:cTn id="20" dur="1" fill="hold">
+                                        <p:cTn id="40" dur="1" fill="hold">
                                           <p:stCondLst>
                                             <p:cond delay="0"/>
                                           </p:stCondLst>
                                         </p:cTn>
                                         <p:tgtEl>
-                                          <p:spTgt spid="16"/>
+                                          <p:spTgt spid="5"/>
                                         </p:tgtEl>
                                         <p:attrNameLst>
                                           <p:attrName>style.visibility</p:attrName>
@@ -22248,47 +23107,20 @@
                                 </p:cTn>
                               </p:par>
                               <p:par>
-                                <p:cTn id="21" presetID="1" presetClass="entr" presetSubtype="0" fill="hold" nodeType="withEffect">
+                                <p:cTn id="41" presetID="1" presetClass="entr" presetSubtype="0" fill="hold" grpId="0" nodeType="withEffect">
                                   <p:stCondLst>
                                     <p:cond delay="0"/>
                                   </p:stCondLst>
                                   <p:childTnLst>
                                     <p:set>
                                       <p:cBhvr>
-                                        <p:cTn id="22" dur="1" fill="hold">
+                                        <p:cTn id="42" dur="1" fill="hold">
                                           <p:stCondLst>
                                             <p:cond delay="0"/>
                                           </p:stCondLst>
                                         </p:cTn>
                                         <p:tgtEl>
-                                          <p:spTgt spid="17"/>
-                                        </p:tgtEl>
-                                        <p:attrNameLst>
-                                          <p:attrName>style.visibility</p:attrName>
-                                        </p:attrNameLst>
-                                      </p:cBhvr>
-                                      <p:to>
-                                        <p:strVal val="visible"/>
-                                      </p:to>
-                                    </p:set>
-                                  </p:childTnLst>
-                                </p:cTn>
-                              </p:par>
-                              <p:par>
-                                <p:cTn id="23" presetID="1" presetClass="entr" presetSubtype="0" fill="hold" grpId="0" nodeType="withEffect">
-                                  <p:stCondLst>
-                                    <p:cond delay="0"/>
-                                  </p:stCondLst>
-                                  <p:childTnLst>
-                                    <p:set>
-                                      <p:cBhvr>
-                                        <p:cTn id="24" dur="1" fill="hold">
-                                          <p:stCondLst>
-                                            <p:cond delay="0"/>
-                                          </p:stCondLst>
-                                        </p:cTn>
-                                        <p:tgtEl>
-                                          <p:spTgt spid="13"/>
+                                          <p:spTgt spid="3"/>
                                         </p:tgtEl>
                                         <p:attrNameLst>
                                           <p:attrName>style.visibility</p:attrName>
@@ -22332,9 +23164,16 @@
       <p:bldP spid="11" grpId="0" animBg="1"/>
       <p:bldP spid="11" grpId="1" animBg="1"/>
       <p:bldP spid="12" grpId="0" animBg="1"/>
-      <p:bldP spid="12" grpId="1" animBg="1"/>
       <p:bldP spid="13" grpId="0" animBg="1"/>
+      <p:bldP spid="13" grpId="1" animBg="1"/>
       <p:bldP spid="14" grpId="0" animBg="1"/>
+      <p:bldP spid="14" grpId="1" animBg="1"/>
+      <p:bldP spid="3" grpId="0" animBg="1"/>
+      <p:bldP spid="5" grpId="0"/>
+      <p:bldP spid="18" grpId="0" animBg="1"/>
+      <p:bldP spid="18" grpId="1" animBg="1"/>
+      <p:bldP spid="7" grpId="0"/>
+      <p:bldP spid="7" grpId="1"/>
     </p:bldLst>
   </p:timing>
 </p:sld>
@@ -22815,51 +23654,6 @@
                       </p:childTnLst>
                     </p:cTn>
                   </p:par>
-                  <p:par>
-                    <p:cTn id="19" fill="hold">
-                      <p:stCondLst>
-                        <p:cond delay="indefinite"/>
-                      </p:stCondLst>
-                      <p:childTnLst>
-                        <p:par>
-                          <p:cTn id="20" fill="hold">
-                            <p:stCondLst>
-                              <p:cond delay="0"/>
-                            </p:stCondLst>
-                            <p:childTnLst>
-                              <p:par>
-                                <p:cTn id="21" presetID="1" presetClass="exit" presetSubtype="0" fill="hold" grpId="1" nodeType="clickEffect">
-                                  <p:stCondLst>
-                                    <p:cond delay="0"/>
-                                  </p:stCondLst>
-                                  <p:childTnLst>
-                                    <p:set>
-                                      <p:cBhvr>
-                                        <p:cTn id="22" dur="1" fill="hold">
-                                          <p:stCondLst>
-                                            <p:cond delay="0"/>
-                                          </p:stCondLst>
-                                        </p:cTn>
-                                        <p:tgtEl>
-                                          <p:spTgt spid="11"/>
-                                        </p:tgtEl>
-                                        <p:attrNameLst>
-                                          <p:attrName>style.visibility</p:attrName>
-                                        </p:attrNameLst>
-                                      </p:cBhvr>
-                                      <p:to>
-                                        <p:strVal val="hidden"/>
-                                      </p:to>
-                                    </p:set>
-                                  </p:childTnLst>
-                                </p:cTn>
-                              </p:par>
-                            </p:childTnLst>
-                          </p:cTn>
-                        </p:par>
-                      </p:childTnLst>
-                    </p:cTn>
-                  </p:par>
                 </p:childTnLst>
               </p:cTn>
               <p:prevCondLst>
@@ -22887,7 +23681,6 @@
       <p:bldP spid="10" grpId="0" animBg="1"/>
       <p:bldP spid="10" grpId="1" animBg="1"/>
       <p:bldP spid="11" grpId="0" animBg="1"/>
-      <p:bldP spid="11" grpId="1" animBg="1"/>
     </p:bldLst>
   </p:timing>
 </p:sld>
@@ -22910,6 +23703,51 @@
           <a:chExt cx="0" cy="0"/>
         </a:xfrm>
       </p:grpSpPr>
+      <p:pic>
+        <p:nvPicPr>
+          <p:cNvPr id="1026" name="Picture 2" descr="https://microservices.io/i/Microservice_Architecture.png">
+            <a:extLst>
+              <a:ext uri="{FF2B5EF4-FFF2-40B4-BE49-F238E27FC236}">
+                <a16:creationId xmlns:a16="http://schemas.microsoft.com/office/drawing/2014/main" id="{8C8CA93E-9642-4A90-BBA4-2B66D6B1B049}"/>
+              </a:ext>
+            </a:extLst>
+          </p:cNvPr>
+          <p:cNvPicPr>
+            <a:picLocks noChangeAspect="1" noChangeArrowheads="1"/>
+          </p:cNvPicPr>
+          <p:nvPr/>
+        </p:nvPicPr>
+        <p:blipFill rotWithShape="1">
+          <a:blip r:embed="rId3">
+            <a:extLst>
+              <a:ext uri="{28A0092B-C50C-407E-A947-70E740481C1C}">
+                <a14:useLocalDpi xmlns:a14="http://schemas.microsoft.com/office/drawing/2010/main" val="0"/>
+              </a:ext>
+            </a:extLst>
+          </a:blip>
+          <a:srcRect l="20810"/>
+          <a:stretch/>
+        </p:blipFill>
+        <p:spPr bwMode="auto">
+          <a:xfrm>
+            <a:off x="7404100" y="-1"/>
+            <a:ext cx="4686300" cy="4062313"/>
+          </a:xfrm>
+          <a:prstGeom prst="rect">
+            <a:avLst/>
+          </a:prstGeom>
+          <a:noFill/>
+          <a:extLst>
+            <a:ext uri="{909E8E84-426E-40DD-AFC4-6F175D3DCCD1}">
+              <a14:hiddenFill xmlns:a14="http://schemas.microsoft.com/office/drawing/2010/main">
+                <a:solidFill>
+                  <a:srgbClr val="FFFFFF"/>
+                </a:solidFill>
+              </a14:hiddenFill>
+            </a:ext>
+          </a:extLst>
+        </p:spPr>
+      </p:pic>
       <p:sp>
         <p:nvSpPr>
           <p:cNvPr id="5" name="Cím 4">
@@ -22928,7 +23766,7 @@
         </p:nvSpPr>
         <p:spPr>
           <a:xfrm>
-            <a:off x="1295400" y="503853"/>
+            <a:off x="165100" y="503853"/>
             <a:ext cx="9601200" cy="562947"/>
           </a:xfrm>
         </p:spPr>
@@ -22962,7 +23800,7 @@
         </p:nvSpPr>
         <p:spPr>
           <a:xfrm>
-            <a:off x="1295400" y="1320800"/>
+            <a:off x="368300" y="1310173"/>
             <a:ext cx="9601200" cy="4800600"/>
           </a:xfrm>
         </p:spPr>
@@ -23240,36 +24078,82 @@
           </a:p>
         </p:txBody>
       </p:sp>
-      <p:pic>
-        <p:nvPicPr>
-          <p:cNvPr id="2" name="Kép 1">
+      <p:sp>
+        <p:nvSpPr>
+          <p:cNvPr id="7" name="Szövegdoboz 6">
             <a:extLst>
               <a:ext uri="{FF2B5EF4-FFF2-40B4-BE49-F238E27FC236}">
-                <a16:creationId xmlns:a16="http://schemas.microsoft.com/office/drawing/2014/main" id="{5E317F27-B321-4ACE-B1BE-5C14CB5C4DA7}"/>
+                <a16:creationId xmlns:a16="http://schemas.microsoft.com/office/drawing/2014/main" id="{5F86CEAB-AE9F-4B95-B8F6-63344FF383C0}"/>
               </a:ext>
             </a:extLst>
           </p:cNvPr>
-          <p:cNvPicPr>
-            <a:picLocks noChangeAspect="1"/>
-          </p:cNvPicPr>
+          <p:cNvSpPr txBox="1"/>
           <p:nvPr/>
-        </p:nvPicPr>
-        <p:blipFill>
-          <a:blip r:embed="rId3"/>
-          <a:stretch>
-            <a:fillRect/>
-          </a:stretch>
-        </p:blipFill>
+        </p:nvSpPr>
         <p:spPr>
           <a:xfrm>
-            <a:off x="9080182" y="503853"/>
-            <a:ext cx="2505075" cy="2828925"/>
+            <a:off x="694266" y="6354147"/>
+            <a:ext cx="10803467" cy="400110"/>
           </a:xfrm>
           <a:prstGeom prst="rect">
             <a:avLst/>
           </a:prstGeom>
+          <a:solidFill>
+            <a:schemeClr val="tx2">
+              <a:lumMod val="75000"/>
+              <a:lumOff val="25000"/>
+            </a:schemeClr>
+          </a:solidFill>
         </p:spPr>
-      </p:pic>
+        <p:txBody>
+          <a:bodyPr wrap="square" rtlCol="0">
+            <a:spAutoFit/>
+          </a:bodyPr>
+          <a:lstStyle/>
+          <a:p>
+            <a:r>
+              <a:rPr lang="en-US" sz="2000" dirty="0" err="1">
+                <a:solidFill>
+                  <a:schemeClr val="bg2"/>
+                </a:solidFill>
+                <a:latin typeface="Courier New" panose="02070309020205020404" pitchFamily="49" charset="0"/>
+                <a:cs typeface="Courier New" panose="02070309020205020404" pitchFamily="49" charset="0"/>
+              </a:rPr>
+              <a:t>kubectl</a:t>
+            </a:r>
+            <a:r>
+              <a:rPr lang="en-US" sz="2000" dirty="0">
+                <a:solidFill>
+                  <a:schemeClr val="bg2"/>
+                </a:solidFill>
+                <a:latin typeface="Courier New" panose="02070309020205020404" pitchFamily="49" charset="0"/>
+                <a:cs typeface="Courier New" panose="02070309020205020404" pitchFamily="49" charset="0"/>
+              </a:rPr>
+              <a:t> expose deployment/rest-hello --type="</a:t>
+            </a:r>
+            <a:r>
+              <a:rPr lang="en-US" sz="2000" dirty="0" err="1">
+                <a:solidFill>
+                  <a:schemeClr val="bg2"/>
+                </a:solidFill>
+                <a:latin typeface="Courier New" panose="02070309020205020404" pitchFamily="49" charset="0"/>
+                <a:cs typeface="Courier New" panose="02070309020205020404" pitchFamily="49" charset="0"/>
+              </a:rPr>
+              <a:t>NodePort</a:t>
+            </a:r>
+            <a:r>
+              <a:rPr lang="en-US" sz="2000" dirty="0">
+                <a:solidFill>
+                  <a:schemeClr val="bg2"/>
+                </a:solidFill>
+                <a:latin typeface="Courier New" panose="02070309020205020404" pitchFamily="49" charset="0"/>
+                <a:cs typeface="Courier New" panose="02070309020205020404" pitchFamily="49" charset="0"/>
+              </a:rPr>
+              <a:t>" --port 8080</a:t>
+            </a:r>
+          </a:p>
+        </p:txBody>
+      </p:sp>
     </p:spTree>
     <p:extLst>
       <p:ext uri="{BB962C8B-B14F-4D97-AF65-F5344CB8AC3E}">
@@ -23450,7 +24334,11 @@
                                           </p:stCondLst>
                                         </p:cTn>
                                         <p:tgtEl>
-                                          <p:spTgt spid="2"/>
+                                          <p:spTgt spid="6">
+                                            <p:txEl>
+                                              <p:pRg st="8" end="8"/>
+                                            </p:txEl>
+                                          </p:spTgt>
                                         </p:tgtEl>
                                         <p:attrNameLst>
                                           <p:attrName>style.visibility</p:attrName>
@@ -23464,7 +24352,7 @@
                                 </p:cTn>
                               </p:par>
                               <p:par>
-                                <p:cTn id="15" presetID="1" presetClass="entr" presetSubtype="0" fill="hold" nodeType="withEffect">
+                                <p:cTn id="15" presetID="1" presetClass="entr" presetSubtype="0" fill="hold" grpId="0" nodeType="withEffect">
                                   <p:stCondLst>
                                     <p:cond delay="0"/>
                                   </p:stCondLst>
@@ -23477,11 +24365,34 @@
                                           </p:stCondLst>
                                         </p:cTn>
                                         <p:tgtEl>
-                                          <p:spTgt spid="6">
-                                            <p:txEl>
-                                              <p:pRg st="8" end="8"/>
-                                            </p:txEl>
-                                          </p:spTgt>
+                                          <p:spTgt spid="7"/>
+                                        </p:tgtEl>
+                                        <p:attrNameLst>
+                                          <p:attrName>style.visibility</p:attrName>
+                                        </p:attrNameLst>
+                                      </p:cBhvr>
+                                      <p:to>
+                                        <p:strVal val="visible"/>
+                                      </p:to>
+                                    </p:set>
+                                  </p:childTnLst>
+                                </p:cTn>
+                              </p:par>
+                              <p:par>
+                                <p:cTn id="17" presetID="1" presetClass="entr" presetSubtype="0" fill="hold" nodeType="withEffect">
+                                  <p:stCondLst>
+                                    <p:cond delay="0"/>
+                                  </p:stCondLst>
+                                  <p:childTnLst>
+                                    <p:set>
+                                      <p:cBhvr>
+                                        <p:cTn id="18" dur="1" fill="hold">
+                                          <p:stCondLst>
+                                            <p:cond delay="0"/>
+                                          </p:stCondLst>
+                                        </p:cTn>
+                                        <p:tgtEl>
+                                          <p:spTgt spid="1026"/>
                                         </p:tgtEl>
                                         <p:attrNameLst>
                                           <p:attrName>style.visibility</p:attrName>
@@ -23521,6 +24432,9 @@
         </p:cTn>
       </p:par>
     </p:tnLst>
+    <p:bldLst>
+      <p:bldP spid="7" grpId="0" animBg="1"/>
+    </p:bldLst>
   </p:timing>
 </p:sld>
 </file>
